--- a/11_Maxpid/EtudeMaxpid/images/Figures.pptx
+++ b/11_Maxpid/EtudeMaxpid/images/Figures.pptx
@@ -8,6 +8,7 @@
     <p:sldId id="257" r:id="rId2"/>
     <p:sldId id="258" r:id="rId3"/>
     <p:sldId id="259" r:id="rId4"/>
+    <p:sldId id="260" r:id="rId5"/>
   </p:sldIdLst>
   <p:sldSz cx="9144000" cy="6858000" type="screen4x3"/>
   <p:notesSz cx="6858000" cy="9144000"/>
@@ -106,6 +107,22 @@
       </a:defRPr>
     </a:lvl9pPr>
   </p:defaultTextStyle>
+  <p:extLst>
+    <p:ext uri="{EFAFB233-063F-42B5-8137-9DF3F51BA10A}">
+      <p15:sldGuideLst xmlns:p15="http://schemas.microsoft.com/office/powerpoint/2012/main">
+        <p15:guide id="1" orient="horz" pos="2160">
+          <p15:clr>
+            <a:srgbClr val="A4A3A4"/>
+          </p15:clr>
+        </p15:guide>
+        <p15:guide id="2" pos="2880">
+          <p15:clr>
+            <a:srgbClr val="A4A3A4"/>
+          </p15:clr>
+        </p15:guide>
+      </p15:sldGuideLst>
+    </p:ext>
+  </p:extLst>
 </p:presentation>
 </file>
 
@@ -147,7 +164,7 @@
           <a:lstStyle/>
           <a:p>
             <a:r>
-              <a:rPr lang="fr-FR" smtClean="0"/>
+              <a:rPr lang="fr-FR"/>
               <a:t>Cliquez pour modifier le style du titre</a:t>
             </a:r>
             <a:endParaRPr lang="fr-BE"/>
@@ -266,7 +283,7 @@
           </a:lstStyle>
           <a:p>
             <a:r>
-              <a:rPr lang="fr-FR" smtClean="0"/>
+              <a:rPr lang="fr-FR"/>
               <a:t>Cliquez pour modifier le style des sous-titres du masque</a:t>
             </a:r>
             <a:endParaRPr lang="fr-BE"/>
@@ -290,7 +307,7 @@
           <a:p>
             <a:fld id="{AA309A6D-C09C-4548-B29A-6CF363A7E532}" type="datetimeFigureOut">
               <a:rPr lang="fr-FR" smtClean="0"/>
-              <a:t>16/03/2016</a:t>
+              <a:t>15/01/2023</a:t>
             </a:fld>
             <a:endParaRPr lang="fr-BE"/>
           </a:p>
@@ -379,7 +396,7 @@
           <a:lstStyle/>
           <a:p>
             <a:r>
-              <a:rPr lang="fr-FR" smtClean="0"/>
+              <a:rPr lang="fr-FR"/>
               <a:t>Cliquez pour modifier le style du titre</a:t>
             </a:r>
             <a:endParaRPr lang="fr-BE"/>
@@ -403,35 +420,35 @@
           <a:p>
             <a:pPr lvl="0"/>
             <a:r>
-              <a:rPr lang="fr-FR" smtClean="0"/>
+              <a:rPr lang="fr-FR"/>
               <a:t>Cliquez pour modifier les styles du texte du masque</a:t>
             </a:r>
           </a:p>
           <a:p>
             <a:pPr lvl="1"/>
             <a:r>
-              <a:rPr lang="fr-FR" smtClean="0"/>
+              <a:rPr lang="fr-FR"/>
               <a:t>Deuxième niveau</a:t>
             </a:r>
           </a:p>
           <a:p>
             <a:pPr lvl="2"/>
             <a:r>
-              <a:rPr lang="fr-FR" smtClean="0"/>
+              <a:rPr lang="fr-FR"/>
               <a:t>Troisième niveau</a:t>
             </a:r>
           </a:p>
           <a:p>
             <a:pPr lvl="3"/>
             <a:r>
-              <a:rPr lang="fr-FR" smtClean="0"/>
+              <a:rPr lang="fr-FR"/>
               <a:t>Quatrième niveau</a:t>
             </a:r>
           </a:p>
           <a:p>
             <a:pPr lvl="4"/>
             <a:r>
-              <a:rPr lang="fr-FR" smtClean="0"/>
+              <a:rPr lang="fr-FR"/>
               <a:t>Cinquième niveau</a:t>
             </a:r>
             <a:endParaRPr lang="fr-BE"/>
@@ -455,7 +472,7 @@
           <a:p>
             <a:fld id="{AA309A6D-C09C-4548-B29A-6CF363A7E532}" type="datetimeFigureOut">
               <a:rPr lang="fr-FR" smtClean="0"/>
-              <a:t>16/03/2016</a:t>
+              <a:t>15/01/2023</a:t>
             </a:fld>
             <a:endParaRPr lang="fr-BE"/>
           </a:p>
@@ -549,7 +566,7 @@
           <a:lstStyle/>
           <a:p>
             <a:r>
-              <a:rPr lang="fr-FR" smtClean="0"/>
+              <a:rPr lang="fr-FR"/>
               <a:t>Cliquez pour modifier le style du titre</a:t>
             </a:r>
             <a:endParaRPr lang="fr-BE"/>
@@ -578,35 +595,35 @@
           <a:p>
             <a:pPr lvl="0"/>
             <a:r>
-              <a:rPr lang="fr-FR" smtClean="0"/>
+              <a:rPr lang="fr-FR"/>
               <a:t>Cliquez pour modifier les styles du texte du masque</a:t>
             </a:r>
           </a:p>
           <a:p>
             <a:pPr lvl="1"/>
             <a:r>
-              <a:rPr lang="fr-FR" smtClean="0"/>
+              <a:rPr lang="fr-FR"/>
               <a:t>Deuxième niveau</a:t>
             </a:r>
           </a:p>
           <a:p>
             <a:pPr lvl="2"/>
             <a:r>
-              <a:rPr lang="fr-FR" smtClean="0"/>
+              <a:rPr lang="fr-FR"/>
               <a:t>Troisième niveau</a:t>
             </a:r>
           </a:p>
           <a:p>
             <a:pPr lvl="3"/>
             <a:r>
-              <a:rPr lang="fr-FR" smtClean="0"/>
+              <a:rPr lang="fr-FR"/>
               <a:t>Quatrième niveau</a:t>
             </a:r>
           </a:p>
           <a:p>
             <a:pPr lvl="4"/>
             <a:r>
-              <a:rPr lang="fr-FR" smtClean="0"/>
+              <a:rPr lang="fr-FR"/>
               <a:t>Cinquième niveau</a:t>
             </a:r>
             <a:endParaRPr lang="fr-BE"/>
@@ -630,7 +647,7 @@
           <a:p>
             <a:fld id="{AA309A6D-C09C-4548-B29A-6CF363A7E532}" type="datetimeFigureOut">
               <a:rPr lang="fr-FR" smtClean="0"/>
-              <a:t>16/03/2016</a:t>
+              <a:t>15/01/2023</a:t>
             </a:fld>
             <a:endParaRPr lang="fr-BE"/>
           </a:p>
@@ -719,7 +736,7 @@
           <a:lstStyle/>
           <a:p>
             <a:r>
-              <a:rPr lang="fr-FR" smtClean="0"/>
+              <a:rPr lang="fr-FR"/>
               <a:t>Cliquez pour modifier le style du titre</a:t>
             </a:r>
             <a:endParaRPr lang="fr-BE"/>
@@ -743,35 +760,35 @@
           <a:p>
             <a:pPr lvl="0"/>
             <a:r>
-              <a:rPr lang="fr-FR" smtClean="0"/>
+              <a:rPr lang="fr-FR"/>
               <a:t>Cliquez pour modifier les styles du texte du masque</a:t>
             </a:r>
           </a:p>
           <a:p>
             <a:pPr lvl="1"/>
             <a:r>
-              <a:rPr lang="fr-FR" smtClean="0"/>
+              <a:rPr lang="fr-FR"/>
               <a:t>Deuxième niveau</a:t>
             </a:r>
           </a:p>
           <a:p>
             <a:pPr lvl="2"/>
             <a:r>
-              <a:rPr lang="fr-FR" smtClean="0"/>
+              <a:rPr lang="fr-FR"/>
               <a:t>Troisième niveau</a:t>
             </a:r>
           </a:p>
           <a:p>
             <a:pPr lvl="3"/>
             <a:r>
-              <a:rPr lang="fr-FR" smtClean="0"/>
+              <a:rPr lang="fr-FR"/>
               <a:t>Quatrième niveau</a:t>
             </a:r>
           </a:p>
           <a:p>
             <a:pPr lvl="4"/>
             <a:r>
-              <a:rPr lang="fr-FR" smtClean="0"/>
+              <a:rPr lang="fr-FR"/>
               <a:t>Cinquième niveau</a:t>
             </a:r>
             <a:endParaRPr lang="fr-BE"/>
@@ -795,7 +812,7 @@
           <a:p>
             <a:fld id="{AA309A6D-C09C-4548-B29A-6CF363A7E532}" type="datetimeFigureOut">
               <a:rPr lang="fr-FR" smtClean="0"/>
-              <a:t>16/03/2016</a:t>
+              <a:t>15/01/2023</a:t>
             </a:fld>
             <a:endParaRPr lang="fr-BE"/>
           </a:p>
@@ -893,7 +910,7 @@
           </a:lstStyle>
           <a:p>
             <a:r>
-              <a:rPr lang="fr-FR" smtClean="0"/>
+              <a:rPr lang="fr-FR"/>
               <a:t>Cliquez pour modifier le style du titre</a:t>
             </a:r>
             <a:endParaRPr lang="fr-BE"/>
@@ -1013,7 +1030,7 @@
           <a:p>
             <a:pPr lvl="0"/>
             <a:r>
-              <a:rPr lang="fr-FR" smtClean="0"/>
+              <a:rPr lang="fr-FR"/>
               <a:t>Cliquez pour modifier les styles du texte du masque</a:t>
             </a:r>
           </a:p>
@@ -1036,7 +1053,7 @@
           <a:p>
             <a:fld id="{AA309A6D-C09C-4548-B29A-6CF363A7E532}" type="datetimeFigureOut">
               <a:rPr lang="fr-FR" smtClean="0"/>
-              <a:t>16/03/2016</a:t>
+              <a:t>15/01/2023</a:t>
             </a:fld>
             <a:endParaRPr lang="fr-BE"/>
           </a:p>
@@ -1125,7 +1142,7 @@
           <a:lstStyle/>
           <a:p>
             <a:r>
-              <a:rPr lang="fr-FR" smtClean="0"/>
+              <a:rPr lang="fr-FR"/>
               <a:t>Cliquez pour modifier le style du titre</a:t>
             </a:r>
             <a:endParaRPr lang="fr-BE"/>
@@ -1182,35 +1199,35 @@
           <a:p>
             <a:pPr lvl="0"/>
             <a:r>
-              <a:rPr lang="fr-FR" smtClean="0"/>
+              <a:rPr lang="fr-FR"/>
               <a:t>Cliquez pour modifier les styles du texte du masque</a:t>
             </a:r>
           </a:p>
           <a:p>
             <a:pPr lvl="1"/>
             <a:r>
-              <a:rPr lang="fr-FR" smtClean="0"/>
+              <a:rPr lang="fr-FR"/>
               <a:t>Deuxième niveau</a:t>
             </a:r>
           </a:p>
           <a:p>
             <a:pPr lvl="2"/>
             <a:r>
-              <a:rPr lang="fr-FR" smtClean="0"/>
+              <a:rPr lang="fr-FR"/>
               <a:t>Troisième niveau</a:t>
             </a:r>
           </a:p>
           <a:p>
             <a:pPr lvl="3"/>
             <a:r>
-              <a:rPr lang="fr-FR" smtClean="0"/>
+              <a:rPr lang="fr-FR"/>
               <a:t>Quatrième niveau</a:t>
             </a:r>
           </a:p>
           <a:p>
             <a:pPr lvl="4"/>
             <a:r>
-              <a:rPr lang="fr-FR" smtClean="0"/>
+              <a:rPr lang="fr-FR"/>
               <a:t>Cinquième niveau</a:t>
             </a:r>
             <a:endParaRPr lang="fr-BE"/>
@@ -1267,35 +1284,35 @@
           <a:p>
             <a:pPr lvl="0"/>
             <a:r>
-              <a:rPr lang="fr-FR" smtClean="0"/>
+              <a:rPr lang="fr-FR"/>
               <a:t>Cliquez pour modifier les styles du texte du masque</a:t>
             </a:r>
           </a:p>
           <a:p>
             <a:pPr lvl="1"/>
             <a:r>
-              <a:rPr lang="fr-FR" smtClean="0"/>
+              <a:rPr lang="fr-FR"/>
               <a:t>Deuxième niveau</a:t>
             </a:r>
           </a:p>
           <a:p>
             <a:pPr lvl="2"/>
             <a:r>
-              <a:rPr lang="fr-FR" smtClean="0"/>
+              <a:rPr lang="fr-FR"/>
               <a:t>Troisième niveau</a:t>
             </a:r>
           </a:p>
           <a:p>
             <a:pPr lvl="3"/>
             <a:r>
-              <a:rPr lang="fr-FR" smtClean="0"/>
+              <a:rPr lang="fr-FR"/>
               <a:t>Quatrième niveau</a:t>
             </a:r>
           </a:p>
           <a:p>
             <a:pPr lvl="4"/>
             <a:r>
-              <a:rPr lang="fr-FR" smtClean="0"/>
+              <a:rPr lang="fr-FR"/>
               <a:t>Cinquième niveau</a:t>
             </a:r>
             <a:endParaRPr lang="fr-BE"/>
@@ -1319,7 +1336,7 @@
           <a:p>
             <a:fld id="{AA309A6D-C09C-4548-B29A-6CF363A7E532}" type="datetimeFigureOut">
               <a:rPr lang="fr-FR" smtClean="0"/>
-              <a:t>16/03/2016</a:t>
+              <a:t>15/01/2023</a:t>
             </a:fld>
             <a:endParaRPr lang="fr-BE"/>
           </a:p>
@@ -1412,7 +1429,7 @@
           </a:lstStyle>
           <a:p>
             <a:r>
-              <a:rPr lang="fr-FR" smtClean="0"/>
+              <a:rPr lang="fr-FR"/>
               <a:t>Cliquez pour modifier le style du titre</a:t>
             </a:r>
             <a:endParaRPr lang="fr-BE"/>
@@ -1478,7 +1495,7 @@
           <a:p>
             <a:pPr lvl="0"/>
             <a:r>
-              <a:rPr lang="fr-FR" smtClean="0"/>
+              <a:rPr lang="fr-FR"/>
               <a:t>Cliquez pour modifier les styles du texte du masque</a:t>
             </a:r>
           </a:p>
@@ -1534,35 +1551,35 @@
           <a:p>
             <a:pPr lvl="0"/>
             <a:r>
-              <a:rPr lang="fr-FR" smtClean="0"/>
+              <a:rPr lang="fr-FR"/>
               <a:t>Cliquez pour modifier les styles du texte du masque</a:t>
             </a:r>
           </a:p>
           <a:p>
             <a:pPr lvl="1"/>
             <a:r>
-              <a:rPr lang="fr-FR" smtClean="0"/>
+              <a:rPr lang="fr-FR"/>
               <a:t>Deuxième niveau</a:t>
             </a:r>
           </a:p>
           <a:p>
             <a:pPr lvl="2"/>
             <a:r>
-              <a:rPr lang="fr-FR" smtClean="0"/>
+              <a:rPr lang="fr-FR"/>
               <a:t>Troisième niveau</a:t>
             </a:r>
           </a:p>
           <a:p>
             <a:pPr lvl="3"/>
             <a:r>
-              <a:rPr lang="fr-FR" smtClean="0"/>
+              <a:rPr lang="fr-FR"/>
               <a:t>Quatrième niveau</a:t>
             </a:r>
           </a:p>
           <a:p>
             <a:pPr lvl="4"/>
             <a:r>
-              <a:rPr lang="fr-FR" smtClean="0"/>
+              <a:rPr lang="fr-FR"/>
               <a:t>Cinquième niveau</a:t>
             </a:r>
             <a:endParaRPr lang="fr-BE"/>
@@ -1628,7 +1645,7 @@
           <a:p>
             <a:pPr lvl="0"/>
             <a:r>
-              <a:rPr lang="fr-FR" smtClean="0"/>
+              <a:rPr lang="fr-FR"/>
               <a:t>Cliquez pour modifier les styles du texte du masque</a:t>
             </a:r>
           </a:p>
@@ -1684,35 +1701,35 @@
           <a:p>
             <a:pPr lvl="0"/>
             <a:r>
-              <a:rPr lang="fr-FR" smtClean="0"/>
+              <a:rPr lang="fr-FR"/>
               <a:t>Cliquez pour modifier les styles du texte du masque</a:t>
             </a:r>
           </a:p>
           <a:p>
             <a:pPr lvl="1"/>
             <a:r>
-              <a:rPr lang="fr-FR" smtClean="0"/>
+              <a:rPr lang="fr-FR"/>
               <a:t>Deuxième niveau</a:t>
             </a:r>
           </a:p>
           <a:p>
             <a:pPr lvl="2"/>
             <a:r>
-              <a:rPr lang="fr-FR" smtClean="0"/>
+              <a:rPr lang="fr-FR"/>
               <a:t>Troisième niveau</a:t>
             </a:r>
           </a:p>
           <a:p>
             <a:pPr lvl="3"/>
             <a:r>
-              <a:rPr lang="fr-FR" smtClean="0"/>
+              <a:rPr lang="fr-FR"/>
               <a:t>Quatrième niveau</a:t>
             </a:r>
           </a:p>
           <a:p>
             <a:pPr lvl="4"/>
             <a:r>
-              <a:rPr lang="fr-FR" smtClean="0"/>
+              <a:rPr lang="fr-FR"/>
               <a:t>Cinquième niveau</a:t>
             </a:r>
             <a:endParaRPr lang="fr-BE"/>
@@ -1736,7 +1753,7 @@
           <a:p>
             <a:fld id="{AA309A6D-C09C-4548-B29A-6CF363A7E532}" type="datetimeFigureOut">
               <a:rPr lang="fr-FR" smtClean="0"/>
-              <a:t>16/03/2016</a:t>
+              <a:t>15/01/2023</a:t>
             </a:fld>
             <a:endParaRPr lang="fr-BE"/>
           </a:p>
@@ -1825,7 +1842,7 @@
           <a:lstStyle/>
           <a:p>
             <a:r>
-              <a:rPr lang="fr-FR" smtClean="0"/>
+              <a:rPr lang="fr-FR"/>
               <a:t>Cliquez pour modifier le style du titre</a:t>
             </a:r>
             <a:endParaRPr lang="fr-BE"/>
@@ -1849,7 +1866,7 @@
           <a:p>
             <a:fld id="{AA309A6D-C09C-4548-B29A-6CF363A7E532}" type="datetimeFigureOut">
               <a:rPr lang="fr-FR" smtClean="0"/>
-              <a:t>16/03/2016</a:t>
+              <a:t>15/01/2023</a:t>
             </a:fld>
             <a:endParaRPr lang="fr-BE"/>
           </a:p>
@@ -1939,7 +1956,7 @@
           <a:p>
             <a:fld id="{AA309A6D-C09C-4548-B29A-6CF363A7E532}" type="datetimeFigureOut">
               <a:rPr lang="fr-FR" smtClean="0"/>
-              <a:t>16/03/2016</a:t>
+              <a:t>15/01/2023</a:t>
             </a:fld>
             <a:endParaRPr lang="fr-BE"/>
           </a:p>
@@ -2037,7 +2054,7 @@
           </a:lstStyle>
           <a:p>
             <a:r>
-              <a:rPr lang="fr-FR" smtClean="0"/>
+              <a:rPr lang="fr-FR"/>
               <a:t>Cliquez pour modifier le style du titre</a:t>
             </a:r>
             <a:endParaRPr lang="fr-BE"/>
@@ -2094,35 +2111,35 @@
           <a:p>
             <a:pPr lvl="0"/>
             <a:r>
-              <a:rPr lang="fr-FR" smtClean="0"/>
+              <a:rPr lang="fr-FR"/>
               <a:t>Cliquez pour modifier les styles du texte du masque</a:t>
             </a:r>
           </a:p>
           <a:p>
             <a:pPr lvl="1"/>
             <a:r>
-              <a:rPr lang="fr-FR" smtClean="0"/>
+              <a:rPr lang="fr-FR"/>
               <a:t>Deuxième niveau</a:t>
             </a:r>
           </a:p>
           <a:p>
             <a:pPr lvl="2"/>
             <a:r>
-              <a:rPr lang="fr-FR" smtClean="0"/>
+              <a:rPr lang="fr-FR"/>
               <a:t>Troisième niveau</a:t>
             </a:r>
           </a:p>
           <a:p>
             <a:pPr lvl="3"/>
             <a:r>
-              <a:rPr lang="fr-FR" smtClean="0"/>
+              <a:rPr lang="fr-FR"/>
               <a:t>Quatrième niveau</a:t>
             </a:r>
           </a:p>
           <a:p>
             <a:pPr lvl="4"/>
             <a:r>
-              <a:rPr lang="fr-FR" smtClean="0"/>
+              <a:rPr lang="fr-FR"/>
               <a:t>Cinquième niveau</a:t>
             </a:r>
             <a:endParaRPr lang="fr-BE"/>
@@ -2188,7 +2205,7 @@
           <a:p>
             <a:pPr lvl="0"/>
             <a:r>
-              <a:rPr lang="fr-FR" smtClean="0"/>
+              <a:rPr lang="fr-FR"/>
               <a:t>Cliquez pour modifier les styles du texte du masque</a:t>
             </a:r>
           </a:p>
@@ -2211,7 +2228,7 @@
           <a:p>
             <a:fld id="{AA309A6D-C09C-4548-B29A-6CF363A7E532}" type="datetimeFigureOut">
               <a:rPr lang="fr-FR" smtClean="0"/>
-              <a:t>16/03/2016</a:t>
+              <a:t>15/01/2023</a:t>
             </a:fld>
             <a:endParaRPr lang="fr-BE"/>
           </a:p>
@@ -2309,7 +2326,7 @@
           </a:lstStyle>
           <a:p>
             <a:r>
-              <a:rPr lang="fr-FR" smtClean="0"/>
+              <a:rPr lang="fr-FR"/>
               <a:t>Cliquez pour modifier le style du titre</a:t>
             </a:r>
             <a:endParaRPr lang="fr-BE"/>
@@ -2436,7 +2453,7 @@
           <a:p>
             <a:pPr lvl="0"/>
             <a:r>
-              <a:rPr lang="fr-FR" smtClean="0"/>
+              <a:rPr lang="fr-FR"/>
               <a:t>Cliquez pour modifier les styles du texte du masque</a:t>
             </a:r>
           </a:p>
@@ -2459,7 +2476,7 @@
           <a:p>
             <a:fld id="{AA309A6D-C09C-4548-B29A-6CF363A7E532}" type="datetimeFigureOut">
               <a:rPr lang="fr-FR" smtClean="0"/>
-              <a:t>16/03/2016</a:t>
+              <a:t>15/01/2023</a:t>
             </a:fld>
             <a:endParaRPr lang="fr-BE"/>
           </a:p>
@@ -2563,7 +2580,7 @@
           <a:lstStyle/>
           <a:p>
             <a:r>
-              <a:rPr lang="fr-FR" smtClean="0"/>
+              <a:rPr lang="fr-FR"/>
               <a:t>Cliquez pour modifier le style du titre</a:t>
             </a:r>
             <a:endParaRPr lang="fr-BE"/>
@@ -2597,35 +2614,35 @@
           <a:p>
             <a:pPr lvl="0"/>
             <a:r>
-              <a:rPr lang="fr-FR" smtClean="0"/>
+              <a:rPr lang="fr-FR"/>
               <a:t>Cliquez pour modifier les styles du texte du masque</a:t>
             </a:r>
           </a:p>
           <a:p>
             <a:pPr lvl="1"/>
             <a:r>
-              <a:rPr lang="fr-FR" smtClean="0"/>
+              <a:rPr lang="fr-FR"/>
               <a:t>Deuxième niveau</a:t>
             </a:r>
           </a:p>
           <a:p>
             <a:pPr lvl="2"/>
             <a:r>
-              <a:rPr lang="fr-FR" smtClean="0"/>
+              <a:rPr lang="fr-FR"/>
               <a:t>Troisième niveau</a:t>
             </a:r>
           </a:p>
           <a:p>
             <a:pPr lvl="3"/>
             <a:r>
-              <a:rPr lang="fr-FR" smtClean="0"/>
+              <a:rPr lang="fr-FR"/>
               <a:t>Quatrième niveau</a:t>
             </a:r>
           </a:p>
           <a:p>
             <a:pPr lvl="4"/>
             <a:r>
-              <a:rPr lang="fr-FR" smtClean="0"/>
+              <a:rPr lang="fr-FR"/>
               <a:t>Cinquième niveau</a:t>
             </a:r>
             <a:endParaRPr lang="fr-BE"/>
@@ -2667,7 +2684,7 @@
           <a:p>
             <a:fld id="{AA309A6D-C09C-4548-B29A-6CF363A7E532}" type="datetimeFigureOut">
               <a:rPr lang="fr-FR" smtClean="0"/>
-              <a:t>16/03/2016</a:t>
+              <a:t>15/01/2023</a:t>
             </a:fld>
             <a:endParaRPr lang="fr-BE"/>
           </a:p>
@@ -3157,7 +3174,7 @@
           <a:prstGeom prst="arc">
             <a:avLst>
               <a:gd name="adj1" fmla="val 15985282"/>
-              <a:gd name="adj2" fmla="val 42399"/>
+              <a:gd name="adj2" fmla="val 20640091"/>
             </a:avLst>
           </a:prstGeom>
           <a:ln w="9525">
@@ -4598,8 +4615,8 @@
           </p:sp>
         </mc:Fallback>
       </mc:AlternateContent>
-      <mc:AlternateContent xmlns:mc="http://schemas.openxmlformats.org/markup-compatibility/2006">
-        <mc:Choice xmlns:a14="http://schemas.microsoft.com/office/drawing/2010/main" Requires="a14">
+      <mc:AlternateContent xmlns:mc="http://schemas.openxmlformats.org/markup-compatibility/2006" xmlns:a14="http://schemas.microsoft.com/office/drawing/2010/main">
+        <mc:Choice Requires="a14">
           <p:sp>
             <p:nvSpPr>
               <p:cNvPr id="80" name="ZoneTexte 79"/>
@@ -4643,7 +4660,7 @@
             </p:txBody>
           </p:sp>
         </mc:Choice>
-        <mc:Fallback>
+        <mc:Fallback xmlns="">
           <p:sp>
             <p:nvSpPr>
               <p:cNvPr id="80" name="ZoneTexte 79"/>
@@ -4727,18 +4744,13 @@
           <a:p>
             <a:pPr algn="ctr"/>
             <a:r>
-              <a:rPr lang="fr-FR" sz="1400" dirty="0" smtClean="0">
+              <a:rPr lang="fr-FR" sz="1400" dirty="0">
                 <a:solidFill>
                   <a:schemeClr val="tx1"/>
                 </a:solidFill>
               </a:rPr>
               <a:t>0</a:t>
             </a:r>
-            <a:endParaRPr lang="fr-FR" sz="1400" dirty="0">
-              <a:solidFill>
-                <a:schemeClr val="tx1"/>
-              </a:solidFill>
-            </a:endParaRPr>
           </a:p>
         </p:txBody>
       </p:sp>
@@ -4842,18 +4854,13 @@
           <a:p>
             <a:pPr algn="ctr"/>
             <a:r>
-              <a:rPr lang="fr-FR" sz="1400" dirty="0" smtClean="0">
+              <a:rPr lang="fr-FR" sz="1400" dirty="0">
                 <a:solidFill>
                   <a:srgbClr val="0070C0"/>
                 </a:solidFill>
               </a:rPr>
               <a:t>2</a:t>
             </a:r>
-            <a:endParaRPr lang="fr-FR" sz="1400" dirty="0">
-              <a:solidFill>
-                <a:srgbClr val="0070C0"/>
-              </a:solidFill>
-            </a:endParaRPr>
           </a:p>
         </p:txBody>
       </p:sp>
@@ -4957,18 +4964,13 @@
           <a:p>
             <a:pPr algn="ctr"/>
             <a:r>
-              <a:rPr lang="fr-FR" sz="1400" dirty="0" smtClean="0">
+              <a:rPr lang="fr-FR" sz="1400" dirty="0">
                 <a:solidFill>
                   <a:srgbClr val="7030A0"/>
                 </a:solidFill>
               </a:rPr>
               <a:t>4</a:t>
             </a:r>
-            <a:endParaRPr lang="fr-FR" sz="1400" dirty="0">
-              <a:solidFill>
-                <a:srgbClr val="7030A0"/>
-              </a:solidFill>
-            </a:endParaRPr>
           </a:p>
         </p:txBody>
       </p:sp>
@@ -5008,7 +5010,7 @@
                           <m:chr m:val="⃗"/>
                           <m:ctrlPr>
                             <a:rPr lang="fr-FR" sz="1200" b="0" i="1" smtClean="0">
-                              <a:latin typeface="Cambria Math"/>
+                              <a:latin typeface="Cambria Math" panose="02040503050406030204" pitchFamily="18" charset="0"/>
                             </a:rPr>
                           </m:ctrlPr>
                         </m:accPr>
@@ -5017,7 +5019,7 @@
                             <m:sSubPr>
                               <m:ctrlPr>
                                 <a:rPr lang="fr-FR" sz="1200" i="1">
-                                  <a:latin typeface="Cambria Math"/>
+                                  <a:latin typeface="Cambria Math" panose="02040503050406030204" pitchFamily="18" charset="0"/>
                                 </a:rPr>
                               </m:ctrlPr>
                             </m:sSubPr>
@@ -5123,7 +5125,7 @@
                           <m:chr m:val="⃗"/>
                           <m:ctrlPr>
                             <a:rPr lang="fr-FR" sz="1200" b="0" i="1" smtClean="0">
-                              <a:latin typeface="Cambria Math"/>
+                              <a:latin typeface="Cambria Math" panose="02040503050406030204" pitchFamily="18" charset="0"/>
                             </a:rPr>
                           </m:ctrlPr>
                         </m:accPr>
@@ -5132,7 +5134,7 @@
                             <m:sSubPr>
                               <m:ctrlPr>
                                 <a:rPr lang="fr-FR" sz="1200" i="1">
-                                  <a:latin typeface="Cambria Math"/>
+                                  <a:latin typeface="Cambria Math" panose="02040503050406030204" pitchFamily="18" charset="0"/>
                                 </a:rPr>
                               </m:ctrlPr>
                             </m:sSubPr>
@@ -5238,7 +5240,7 @@
                           <m:chr m:val="⃗"/>
                           <m:ctrlPr>
                             <a:rPr lang="fr-FR" sz="1200" b="0" i="1" smtClean="0">
-                              <a:latin typeface="Cambria Math"/>
+                              <a:latin typeface="Cambria Math" panose="02040503050406030204" pitchFamily="18" charset="0"/>
                             </a:rPr>
                           </m:ctrlPr>
                         </m:accPr>
@@ -5247,7 +5249,7 @@
                             <m:sSubPr>
                               <m:ctrlPr>
                                 <a:rPr lang="fr-FR" sz="1200" i="1">
-                                  <a:latin typeface="Cambria Math"/>
+                                  <a:latin typeface="Cambria Math" panose="02040503050406030204" pitchFamily="18" charset="0"/>
                                 </a:rPr>
                               </m:ctrlPr>
                             </m:sSubPr>
@@ -5359,7 +5361,7 @@
                           <m:chr m:val="⃗"/>
                           <m:ctrlPr>
                             <a:rPr lang="fr-FR" sz="1200" b="0" i="1" smtClean="0">
-                              <a:latin typeface="Cambria Math"/>
+                              <a:latin typeface="Cambria Math" panose="02040503050406030204" pitchFamily="18" charset="0"/>
                             </a:rPr>
                           </m:ctrlPr>
                         </m:accPr>
@@ -5368,7 +5370,7 @@
                             <m:sSubPr>
                               <m:ctrlPr>
                                 <a:rPr lang="fr-FR" sz="1200" i="1">
-                                  <a:latin typeface="Cambria Math"/>
+                                  <a:latin typeface="Cambria Math" panose="02040503050406030204" pitchFamily="18" charset="0"/>
                                 </a:rPr>
                               </m:ctrlPr>
                             </m:sSubPr>
@@ -5518,7 +5520,7 @@
                           <m:chr m:val="⃗"/>
                           <m:ctrlPr>
                             <a:rPr lang="fr-FR" sz="1200" b="0" i="1" smtClean="0">
-                              <a:latin typeface="Cambria Math"/>
+                              <a:latin typeface="Cambria Math" panose="02040503050406030204" pitchFamily="18" charset="0"/>
                             </a:rPr>
                           </m:ctrlPr>
                         </m:accPr>
@@ -5527,7 +5529,7 @@
                             <m:sSubPr>
                               <m:ctrlPr>
                                 <a:rPr lang="fr-FR" sz="1200" i="1">
-                                  <a:latin typeface="Cambria Math"/>
+                                  <a:latin typeface="Cambria Math" panose="02040503050406030204" pitchFamily="18" charset="0"/>
                                 </a:rPr>
                               </m:ctrlPr>
                             </m:sSubPr>
@@ -5824,7 +5826,7 @@
                         <m:sSupPr>
                           <m:ctrlPr>
                             <a:rPr lang="fr-FR" sz="1200" b="0" i="1" smtClean="0">
-                              <a:latin typeface="Cambria Math"/>
+                              <a:latin typeface="Cambria Math" panose="02040503050406030204" pitchFamily="18" charset="0"/>
                             </a:rPr>
                           </m:ctrlPr>
                         </m:sSupPr>
@@ -6437,7 +6439,7 @@
                             <m:chr m:val="⃗"/>
                             <m:ctrlPr>
                               <a:rPr lang="fr-FR" sz="1200" b="0" i="1" smtClean="0">
-                                <a:latin typeface="Cambria Math"/>
+                                <a:latin typeface="Cambria Math" panose="02040503050406030204" pitchFamily="18" charset="0"/>
                               </a:rPr>
                             </m:ctrlPr>
                           </m:accPr>
@@ -6446,7 +6448,7 @@
                               <m:sSubPr>
                                 <m:ctrlPr>
                                   <a:rPr lang="fr-FR" sz="1200" i="1">
-                                    <a:latin typeface="Cambria Math"/>
+                                    <a:latin typeface="Cambria Math" panose="02040503050406030204" pitchFamily="18" charset="0"/>
                                   </a:rPr>
                                 </m:ctrlPr>
                               </m:sSubPr>
@@ -6558,7 +6560,7 @@
                             <m:chr m:val="⃗"/>
                             <m:ctrlPr>
                               <a:rPr lang="fr-FR" sz="1200" b="0" i="1" smtClean="0">
-                                <a:latin typeface="Cambria Math"/>
+                                <a:latin typeface="Cambria Math" panose="02040503050406030204" pitchFamily="18" charset="0"/>
                               </a:rPr>
                             </m:ctrlPr>
                           </m:accPr>
@@ -6567,7 +6569,7 @@
                               <m:sSubPr>
                                 <m:ctrlPr>
                                   <a:rPr lang="fr-FR" sz="1200" i="1">
-                                    <a:latin typeface="Cambria Math"/>
+                                    <a:latin typeface="Cambria Math" panose="02040503050406030204" pitchFamily="18" charset="0"/>
                                   </a:rPr>
                                 </m:ctrlPr>
                               </m:sSubPr>
@@ -6679,7 +6681,7 @@
                             <m:chr m:val="⃗"/>
                             <m:ctrlPr>
                               <a:rPr lang="fr-FR" sz="1200" b="0" i="1" smtClean="0">
-                                <a:latin typeface="Cambria Math"/>
+                                <a:latin typeface="Cambria Math" panose="02040503050406030204" pitchFamily="18" charset="0"/>
                               </a:rPr>
                             </m:ctrlPr>
                           </m:accPr>
@@ -6688,7 +6690,7 @@
                               <m:sSubPr>
                                 <m:ctrlPr>
                                   <a:rPr lang="fr-FR" sz="1200" i="1">
-                                    <a:latin typeface="Cambria Math"/>
+                                    <a:latin typeface="Cambria Math" panose="02040503050406030204" pitchFamily="18" charset="0"/>
                                   </a:rPr>
                                 </m:ctrlPr>
                               </m:sSubPr>
@@ -6794,7 +6796,7 @@
                             <m:chr m:val="⃗"/>
                             <m:ctrlPr>
                               <a:rPr lang="fr-FR" sz="1200" b="0" i="1" smtClean="0">
-                                <a:latin typeface="Cambria Math"/>
+                                <a:latin typeface="Cambria Math" panose="02040503050406030204" pitchFamily="18" charset="0"/>
                               </a:rPr>
                             </m:ctrlPr>
                           </m:accPr>
@@ -6803,7 +6805,7 @@
                               <m:sSubPr>
                                 <m:ctrlPr>
                                   <a:rPr lang="fr-FR" sz="1200" i="1">
-                                    <a:latin typeface="Cambria Math"/>
+                                    <a:latin typeface="Cambria Math" panose="02040503050406030204" pitchFamily="18" charset="0"/>
                                   </a:rPr>
                                 </m:ctrlPr>
                               </m:sSubPr>
@@ -6993,7 +6995,7 @@
                             <m:chr m:val="⃗"/>
                             <m:ctrlPr>
                               <a:rPr lang="fr-FR" sz="1200" b="0" i="1" smtClean="0">
-                                <a:latin typeface="Cambria Math"/>
+                                <a:latin typeface="Cambria Math" panose="02040503050406030204" pitchFamily="18" charset="0"/>
                               </a:rPr>
                             </m:ctrlPr>
                           </m:accPr>
@@ -7002,7 +7004,7 @@
                               <m:sSubPr>
                                 <m:ctrlPr>
                                   <a:rPr lang="fr-FR" sz="1200" i="1">
-                                    <a:latin typeface="Cambria Math"/>
+                                    <a:latin typeface="Cambria Math" panose="02040503050406030204" pitchFamily="18" charset="0"/>
                                   </a:rPr>
                                 </m:ctrlPr>
                               </m:sSubPr>
@@ -7444,7 +7446,7 @@
                             <m:chr m:val="⃗"/>
                             <m:ctrlPr>
                               <a:rPr lang="fr-FR" sz="1200" b="0" i="1" smtClean="0">
-                                <a:latin typeface="Cambria Math"/>
+                                <a:latin typeface="Cambria Math" panose="02040503050406030204" pitchFamily="18" charset="0"/>
                               </a:rPr>
                             </m:ctrlPr>
                           </m:accPr>
@@ -7453,7 +7455,7 @@
                               <m:sSubPr>
                                 <m:ctrlPr>
                                   <a:rPr lang="fr-FR" sz="1200" i="1">
-                                    <a:latin typeface="Cambria Math"/>
+                                    <a:latin typeface="Cambria Math" panose="02040503050406030204" pitchFamily="18" charset="0"/>
                                   </a:rPr>
                                 </m:ctrlPr>
                               </m:sSubPr>
@@ -7565,7 +7567,7 @@
                             <m:chr m:val="⃗"/>
                             <m:ctrlPr>
                               <a:rPr lang="fr-FR" sz="1200" b="0" i="1" smtClean="0">
-                                <a:latin typeface="Cambria Math"/>
+                                <a:latin typeface="Cambria Math" panose="02040503050406030204" pitchFamily="18" charset="0"/>
                               </a:rPr>
                             </m:ctrlPr>
                           </m:accPr>
@@ -7574,7 +7576,7 @@
                               <m:sSubPr>
                                 <m:ctrlPr>
                                   <a:rPr lang="fr-FR" sz="1200" i="1">
-                                    <a:latin typeface="Cambria Math"/>
+                                    <a:latin typeface="Cambria Math" panose="02040503050406030204" pitchFamily="18" charset="0"/>
                                   </a:rPr>
                                 </m:ctrlPr>
                               </m:sSubPr>
@@ -7686,7 +7688,7 @@
                             <m:chr m:val="⃗"/>
                             <m:ctrlPr>
                               <a:rPr lang="fr-FR" sz="1200" b="0" i="1" smtClean="0">
-                                <a:latin typeface="Cambria Math"/>
+                                <a:latin typeface="Cambria Math" panose="02040503050406030204" pitchFamily="18" charset="0"/>
                               </a:rPr>
                             </m:ctrlPr>
                           </m:accPr>
@@ -7695,7 +7697,7 @@
                               <m:sSubPr>
                                 <m:ctrlPr>
                                   <a:rPr lang="fr-FR" sz="1200" i="1">
-                                    <a:latin typeface="Cambria Math"/>
+                                    <a:latin typeface="Cambria Math" panose="02040503050406030204" pitchFamily="18" charset="0"/>
                                   </a:rPr>
                                 </m:ctrlPr>
                               </m:sSubPr>
@@ -7801,7 +7803,7 @@
                             <m:chr m:val="⃗"/>
                             <m:ctrlPr>
                               <a:rPr lang="fr-FR" sz="1200" b="0" i="1" smtClean="0">
-                                <a:latin typeface="Cambria Math"/>
+                                <a:latin typeface="Cambria Math" panose="02040503050406030204" pitchFamily="18" charset="0"/>
                               </a:rPr>
                             </m:ctrlPr>
                           </m:accPr>
@@ -7810,7 +7812,7 @@
                               <m:sSubPr>
                                 <m:ctrlPr>
                                   <a:rPr lang="fr-FR" sz="1200" i="1">
-                                    <a:latin typeface="Cambria Math"/>
+                                    <a:latin typeface="Cambria Math" panose="02040503050406030204" pitchFamily="18" charset="0"/>
                                   </a:rPr>
                                 </m:ctrlPr>
                               </m:sSubPr>
@@ -8006,7 +8008,7 @@
                             <m:chr m:val="⃗"/>
                             <m:ctrlPr>
                               <a:rPr lang="fr-FR" sz="1200" b="0" i="1" smtClean="0">
-                                <a:latin typeface="Cambria Math"/>
+                                <a:latin typeface="Cambria Math" panose="02040503050406030204" pitchFamily="18" charset="0"/>
                               </a:rPr>
                             </m:ctrlPr>
                           </m:accPr>
@@ -8015,7 +8017,7 @@
                               <m:sSubPr>
                                 <m:ctrlPr>
                                   <a:rPr lang="fr-FR" sz="1200" i="1">
-                                    <a:latin typeface="Cambria Math"/>
+                                    <a:latin typeface="Cambria Math" panose="02040503050406030204" pitchFamily="18" charset="0"/>
                                   </a:rPr>
                                 </m:ctrlPr>
                               </m:sSubPr>
@@ -8188,578 +8190,600 @@
           </p:txBody>
         </p:sp>
       </p:grpSp>
+      <p:grpSp>
+        <p:nvGrpSpPr>
+          <p:cNvPr id="3" name="Groupe 2">
+            <a:extLst>
+              <a:ext uri="{FF2B5EF4-FFF2-40B4-BE49-F238E27FC236}">
+                <a16:creationId xmlns:a16="http://schemas.microsoft.com/office/drawing/2014/main" id="{2B2993D1-05D9-F99C-ECC2-F126363EE1B4}"/>
+              </a:ext>
+            </a:extLst>
+          </p:cNvPr>
+          <p:cNvGrpSpPr/>
+          <p:nvPr/>
+        </p:nvGrpSpPr>
+        <p:grpSpPr>
+          <a:xfrm>
+            <a:off x="4139952" y="4040548"/>
+            <a:ext cx="1889428" cy="913183"/>
+            <a:chOff x="6385074" y="4040548"/>
+            <a:chExt cx="1889428" cy="913183"/>
+          </a:xfrm>
+          <a:noFill/>
+        </p:grpSpPr>
+        <mc:AlternateContent xmlns:mc="http://schemas.openxmlformats.org/markup-compatibility/2006" xmlns:a14="http://schemas.microsoft.com/office/drawing/2010/main">
+          <mc:Choice Requires="a14">
+            <p:sp>
+              <p:nvSpPr>
+                <p:cNvPr id="153" name="ZoneTexte 152"/>
+                <p:cNvSpPr txBox="1"/>
+                <p:nvPr/>
+              </p:nvSpPr>
+              <p:spPr>
+                <a:xfrm>
+                  <a:off x="6385074" y="4040548"/>
+                  <a:ext cx="1889428" cy="300595"/>
+                </a:xfrm>
+                <a:prstGeom prst="rect">
+                  <a:avLst/>
+                </a:prstGeom>
+                <a:grpFill/>
+              </p:spPr>
+              <p:txBody>
+                <a:bodyPr wrap="none" rtlCol="0">
+                  <a:spAutoFit/>
+                </a:bodyPr>
+                <a:lstStyle/>
+                <a:p>
+                  <a:pPr/>
+                  <a14:m>
+                    <m:oMathPara xmlns:m="http://schemas.openxmlformats.org/officeDocument/2006/math">
+                      <m:oMathParaPr>
+                        <m:jc m:val="centerGroup"/>
+                      </m:oMathParaPr>
+                      <m:oMath xmlns:m="http://schemas.openxmlformats.org/officeDocument/2006/math">
+                        <m:acc>
+                          <m:accPr>
+                            <m:chr m:val="⃗"/>
+                            <m:ctrlPr>
+                              <a:rPr lang="fr-FR" sz="1200" b="0" i="1" smtClean="0">
+                                <a:latin typeface="Cambria Math" panose="02040503050406030204" pitchFamily="18" charset="0"/>
+                              </a:rPr>
+                            </m:ctrlPr>
+                          </m:accPr>
+                          <m:e>
+                            <m:r>
+                              <a:rPr lang="fr-FR" sz="1200" b="0" i="1" smtClean="0">
+                                <a:latin typeface="Cambria Math"/>
+                              </a:rPr>
+                              <m:t>𝐴𝐷</m:t>
+                            </m:r>
+                          </m:e>
+                        </m:acc>
+                        <m:r>
+                          <a:rPr lang="fr-FR" sz="1200" b="0" i="1" smtClean="0">
+                            <a:latin typeface="Cambria Math"/>
+                          </a:rPr>
+                          <m:t>=</m:t>
+                        </m:r>
+                        <m:r>
+                          <a:rPr lang="fr-FR" sz="1200" b="0" i="1" smtClean="0">
+                            <a:latin typeface="Cambria Math"/>
+                          </a:rPr>
+                          <m:t>𝑎</m:t>
+                        </m:r>
+                        <m:r>
+                          <a:rPr lang="fr-FR" sz="1200" b="0" i="1" smtClean="0">
+                            <a:latin typeface="Cambria Math"/>
+                          </a:rPr>
+                          <m:t>⋅</m:t>
+                        </m:r>
+                        <m:sSup>
+                          <m:sSupPr>
+                            <m:ctrlPr>
+                              <a:rPr lang="fr-FR" sz="1200" b="0" i="1" smtClean="0">
+                                <a:latin typeface="Cambria Math" panose="02040503050406030204" pitchFamily="18" charset="0"/>
+                              </a:rPr>
+                            </m:ctrlPr>
+                          </m:sSupPr>
+                          <m:e>
+                            <m:acc>
+                              <m:accPr>
+                                <m:chr m:val="⃗"/>
+                                <m:ctrlPr>
+                                  <a:rPr lang="fr-FR" sz="1200" i="1">
+                                    <a:latin typeface="Cambria Math" panose="02040503050406030204" pitchFamily="18" charset="0"/>
+                                  </a:rPr>
+                                </m:ctrlPr>
+                              </m:accPr>
+                              <m:e>
+                                <m:sSub>
+                                  <m:sSubPr>
+                                    <m:ctrlPr>
+                                      <a:rPr lang="fr-FR" sz="1200" b="0" i="1" smtClean="0">
+                                        <a:latin typeface="Cambria Math" panose="02040503050406030204" pitchFamily="18" charset="0"/>
+                                      </a:rPr>
+                                    </m:ctrlPr>
+                                  </m:sSubPr>
+                                  <m:e>
+                                    <m:r>
+                                      <a:rPr lang="fr-FR" sz="1200" b="0" i="1" smtClean="0">
+                                        <a:latin typeface="Cambria Math"/>
+                                      </a:rPr>
+                                      <m:t>𝑥</m:t>
+                                    </m:r>
+                                  </m:e>
+                                  <m:sub>
+                                    <m:r>
+                                      <a:rPr lang="fr-FR" sz="1200" b="0" i="1" smtClean="0">
+                                        <a:latin typeface="Cambria Math"/>
+                                      </a:rPr>
+                                      <m:t>0</m:t>
+                                    </m:r>
+                                  </m:sub>
+                                </m:sSub>
+                              </m:e>
+                            </m:acc>
+                          </m:e>
+                          <m:sup>
+                            <m:r>
+                              <a:rPr lang="fr-FR" sz="1200" b="0" i="1" smtClean="0">
+                                <a:latin typeface="Cambria Math"/>
+                              </a:rPr>
+                              <m:t>′</m:t>
+                            </m:r>
+                          </m:sup>
+                        </m:sSup>
+                        <m:r>
+                          <a:rPr lang="fr-FR" sz="1200" b="0" i="1" smtClean="0">
+                            <a:latin typeface="Cambria Math"/>
+                          </a:rPr>
+                          <m:t>=</m:t>
+                        </m:r>
+                        <m:r>
+                          <a:rPr lang="fr-FR" sz="1200" b="0" i="1" smtClean="0">
+                            <a:latin typeface="Cambria Math"/>
+                          </a:rPr>
+                          <m:t>𝑐</m:t>
+                        </m:r>
+                        <m:acc>
+                          <m:accPr>
+                            <m:chr m:val="⃗"/>
+                            <m:ctrlPr>
+                              <a:rPr lang="fr-FR" sz="1200" i="1">
+                                <a:latin typeface="Cambria Math" panose="02040503050406030204" pitchFamily="18" charset="0"/>
+                              </a:rPr>
+                            </m:ctrlPr>
+                          </m:accPr>
+                          <m:e>
+                            <m:sSub>
+                              <m:sSubPr>
+                                <m:ctrlPr>
+                                  <a:rPr lang="fr-FR" sz="1200" i="1">
+                                    <a:latin typeface="Cambria Math" panose="02040503050406030204" pitchFamily="18" charset="0"/>
+                                  </a:rPr>
+                                </m:ctrlPr>
+                              </m:sSubPr>
+                              <m:e>
+                                <m:r>
+                                  <a:rPr lang="fr-FR" sz="1200" i="1">
+                                    <a:latin typeface="Cambria Math"/>
+                                  </a:rPr>
+                                  <m:t>𝑥</m:t>
+                                </m:r>
+                              </m:e>
+                              <m:sub>
+                                <m:r>
+                                  <a:rPr lang="fr-FR" sz="1200" i="1">
+                                    <a:latin typeface="Cambria Math"/>
+                                  </a:rPr>
+                                  <m:t>0</m:t>
+                                </m:r>
+                              </m:sub>
+                            </m:sSub>
+                          </m:e>
+                        </m:acc>
+                        <m:r>
+                          <a:rPr lang="fr-FR" sz="1200" b="0" i="1" smtClean="0">
+                            <a:latin typeface="Cambria Math" panose="02040503050406030204" pitchFamily="18" charset="0"/>
+                          </a:rPr>
+                          <m:t>−</m:t>
+                        </m:r>
+                        <m:r>
+                          <a:rPr lang="fr-FR" sz="1200" b="0" i="1" smtClean="0">
+                            <a:latin typeface="Cambria Math" panose="02040503050406030204" pitchFamily="18" charset="0"/>
+                          </a:rPr>
+                          <m:t>𝑑</m:t>
+                        </m:r>
+                        <m:acc>
+                          <m:accPr>
+                            <m:chr m:val="⃗"/>
+                            <m:ctrlPr>
+                              <a:rPr lang="fr-FR" sz="1200" i="1" smtClean="0">
+                                <a:latin typeface="Cambria Math" panose="02040503050406030204" pitchFamily="18" charset="0"/>
+                              </a:rPr>
+                            </m:ctrlPr>
+                          </m:accPr>
+                          <m:e>
+                            <m:sSub>
+                              <m:sSubPr>
+                                <m:ctrlPr>
+                                  <a:rPr lang="fr-FR" sz="1200" i="1">
+                                    <a:latin typeface="Cambria Math" panose="02040503050406030204" pitchFamily="18" charset="0"/>
+                                  </a:rPr>
+                                </m:ctrlPr>
+                              </m:sSubPr>
+                              <m:e>
+                                <m:r>
+                                  <a:rPr lang="fr-FR" sz="1200" b="0" i="1" smtClean="0">
+                                    <a:latin typeface="Cambria Math"/>
+                                  </a:rPr>
+                                  <m:t>𝑦</m:t>
+                                </m:r>
+                              </m:e>
+                              <m:sub>
+                                <m:r>
+                                  <a:rPr lang="fr-FR" sz="1200" i="1">
+                                    <a:latin typeface="Cambria Math"/>
+                                  </a:rPr>
+                                  <m:t>0</m:t>
+                                </m:r>
+                              </m:sub>
+                            </m:sSub>
+                          </m:e>
+                        </m:acc>
+                      </m:oMath>
+                    </m:oMathPara>
+                  </a14:m>
+                  <a:endParaRPr lang="fr-FR" sz="1200" dirty="0"/>
+                </a:p>
+              </p:txBody>
+            </p:sp>
+          </mc:Choice>
+          <mc:Fallback xmlns="">
+            <p:sp>
+              <p:nvSpPr>
+                <p:cNvPr id="153" name="ZoneTexte 152"/>
+                <p:cNvSpPr txBox="1">
+                  <a:spLocks noRot="1" noChangeAspect="1" noMove="1" noResize="1" noEditPoints="1" noAdjustHandles="1" noChangeArrowheads="1" noChangeShapeType="1" noTextEdit="1"/>
+                </p:cNvSpPr>
+                <p:nvPr/>
+              </p:nvSpPr>
+              <p:spPr>
+                <a:xfrm>
+                  <a:off x="6385074" y="4040548"/>
+                  <a:ext cx="1889428" cy="300595"/>
+                </a:xfrm>
+                <a:prstGeom prst="rect">
+                  <a:avLst/>
+                </a:prstGeom>
+                <a:blipFill>
+                  <a:blip r:embed="rId26"/>
+                  <a:stretch>
+                    <a:fillRect/>
+                  </a:stretch>
+                </a:blipFill>
+              </p:spPr>
+              <p:txBody>
+                <a:bodyPr/>
+                <a:lstStyle/>
+                <a:p>
+                  <a:r>
+                    <a:rPr lang="fr-FR">
+                      <a:noFill/>
+                    </a:rPr>
+                    <a:t> </a:t>
+                  </a:r>
+                </a:p>
+              </p:txBody>
+            </p:sp>
+          </mc:Fallback>
+        </mc:AlternateContent>
+        <mc:AlternateContent xmlns:mc="http://schemas.openxmlformats.org/markup-compatibility/2006" xmlns:a14="http://schemas.microsoft.com/office/drawing/2010/main">
+          <mc:Choice Requires="a14">
+            <p:sp>
+              <p:nvSpPr>
+                <p:cNvPr id="154" name="ZoneTexte 153"/>
+                <p:cNvSpPr txBox="1"/>
+                <p:nvPr/>
+              </p:nvSpPr>
+              <p:spPr>
+                <a:xfrm>
+                  <a:off x="6385074" y="4346842"/>
+                  <a:ext cx="975587" cy="300595"/>
+                </a:xfrm>
+                <a:prstGeom prst="rect">
+                  <a:avLst/>
+                </a:prstGeom>
+                <a:grpFill/>
+              </p:spPr>
+              <p:txBody>
+                <a:bodyPr wrap="none" rtlCol="0">
+                  <a:spAutoFit/>
+                </a:bodyPr>
+                <a:lstStyle/>
+                <a:p>
+                  <a:pPr/>
+                  <a14:m>
+                    <m:oMathPara xmlns:m="http://schemas.openxmlformats.org/officeDocument/2006/math">
+                      <m:oMathParaPr>
+                        <m:jc m:val="centerGroup"/>
+                      </m:oMathParaPr>
+                      <m:oMath xmlns:m="http://schemas.openxmlformats.org/officeDocument/2006/math">
+                        <m:acc>
+                          <m:accPr>
+                            <m:chr m:val="⃗"/>
+                            <m:ctrlPr>
+                              <a:rPr lang="fr-FR" sz="1200" b="0" i="1" smtClean="0">
+                                <a:latin typeface="Cambria Math" panose="02040503050406030204" pitchFamily="18" charset="0"/>
+                              </a:rPr>
+                            </m:ctrlPr>
+                          </m:accPr>
+                          <m:e>
+                            <m:r>
+                              <a:rPr lang="fr-FR" sz="1200" b="0" i="1" smtClean="0">
+                                <a:latin typeface="Cambria Math"/>
+                              </a:rPr>
+                              <m:t>𝐷𝐶</m:t>
+                            </m:r>
+                          </m:e>
+                        </m:acc>
+                        <m:r>
+                          <a:rPr lang="fr-FR" sz="1200" b="0" i="1" smtClean="0">
+                            <a:latin typeface="Cambria Math"/>
+                          </a:rPr>
+                          <m:t>=</m:t>
+                        </m:r>
+                        <m:r>
+                          <a:rPr lang="fr-FR" sz="1200" b="0" i="1" smtClean="0">
+                            <a:latin typeface="Cambria Math"/>
+                          </a:rPr>
+                          <m:t>𝑏</m:t>
+                        </m:r>
+                        <m:r>
+                          <a:rPr lang="fr-FR" sz="1200" b="0" i="1" smtClean="0">
+                            <a:latin typeface="Cambria Math"/>
+                          </a:rPr>
+                          <m:t>⋅</m:t>
+                        </m:r>
+                        <m:acc>
+                          <m:accPr>
+                            <m:chr m:val="⃗"/>
+                            <m:ctrlPr>
+                              <a:rPr lang="fr-FR" sz="1200" i="1">
+                                <a:latin typeface="Cambria Math" panose="02040503050406030204" pitchFamily="18" charset="0"/>
+                              </a:rPr>
+                            </m:ctrlPr>
+                          </m:accPr>
+                          <m:e>
+                            <m:sSub>
+                              <m:sSubPr>
+                                <m:ctrlPr>
+                                  <a:rPr lang="fr-FR" sz="1200" b="0" i="1" smtClean="0">
+                                    <a:latin typeface="Cambria Math" panose="02040503050406030204" pitchFamily="18" charset="0"/>
+                                  </a:rPr>
+                                </m:ctrlPr>
+                              </m:sSubPr>
+                              <m:e>
+                                <m:r>
+                                  <a:rPr lang="fr-FR" sz="1200" b="0" i="1" smtClean="0">
+                                    <a:latin typeface="Cambria Math"/>
+                                  </a:rPr>
+                                  <m:t>𝑥</m:t>
+                                </m:r>
+                              </m:e>
+                              <m:sub>
+                                <m:r>
+                                  <a:rPr lang="fr-FR" sz="1200" b="0" i="1" smtClean="0">
+                                    <a:latin typeface="Cambria Math"/>
+                                  </a:rPr>
+                                  <m:t>4</m:t>
+                                </m:r>
+                              </m:sub>
+                            </m:sSub>
+                          </m:e>
+                        </m:acc>
+                      </m:oMath>
+                    </m:oMathPara>
+                  </a14:m>
+                  <a:endParaRPr lang="fr-FR" sz="1200" dirty="0"/>
+                </a:p>
+              </p:txBody>
+            </p:sp>
+          </mc:Choice>
+          <mc:Fallback xmlns="">
+            <p:sp>
+              <p:nvSpPr>
+                <p:cNvPr id="154" name="ZoneTexte 153"/>
+                <p:cNvSpPr txBox="1">
+                  <a:spLocks noRot="1" noChangeAspect="1" noMove="1" noResize="1" noEditPoints="1" noAdjustHandles="1" noChangeArrowheads="1" noChangeShapeType="1" noTextEdit="1"/>
+                </p:cNvSpPr>
+                <p:nvPr/>
+              </p:nvSpPr>
+              <p:spPr>
+                <a:xfrm>
+                  <a:off x="6385074" y="4346842"/>
+                  <a:ext cx="975587" cy="300595"/>
+                </a:xfrm>
+                <a:prstGeom prst="rect">
+                  <a:avLst/>
+                </a:prstGeom>
+                <a:blipFill>
+                  <a:blip r:embed="rId27"/>
+                  <a:stretch>
+                    <a:fillRect/>
+                  </a:stretch>
+                </a:blipFill>
+              </p:spPr>
+              <p:txBody>
+                <a:bodyPr/>
+                <a:lstStyle/>
+                <a:p>
+                  <a:r>
+                    <a:rPr lang="fr-FR">
+                      <a:noFill/>
+                    </a:rPr>
+                    <a:t> </a:t>
+                  </a:r>
+                </a:p>
+              </p:txBody>
+            </p:sp>
+          </mc:Fallback>
+        </mc:AlternateContent>
+        <mc:AlternateContent xmlns:mc="http://schemas.openxmlformats.org/markup-compatibility/2006" xmlns:a14="http://schemas.microsoft.com/office/drawing/2010/main">
+          <mc:Choice Requires="a14">
+            <p:sp>
+              <p:nvSpPr>
+                <p:cNvPr id="155" name="ZoneTexte 154"/>
+                <p:cNvSpPr txBox="1"/>
+                <p:nvPr/>
+              </p:nvSpPr>
+              <p:spPr>
+                <a:xfrm>
+                  <a:off x="6385074" y="4653136"/>
+                  <a:ext cx="960006" cy="300595"/>
+                </a:xfrm>
+                <a:prstGeom prst="rect">
+                  <a:avLst/>
+                </a:prstGeom>
+                <a:grpFill/>
+              </p:spPr>
+              <p:txBody>
+                <a:bodyPr wrap="none" rtlCol="0">
+                  <a:spAutoFit/>
+                </a:bodyPr>
+                <a:lstStyle/>
+                <a:p>
+                  <a:pPr/>
+                  <a14:m>
+                    <m:oMathPara xmlns:m="http://schemas.openxmlformats.org/officeDocument/2006/math">
+                      <m:oMathParaPr>
+                        <m:jc m:val="centerGroup"/>
+                      </m:oMathParaPr>
+                      <m:oMath xmlns:m="http://schemas.openxmlformats.org/officeDocument/2006/math">
+                        <m:acc>
+                          <m:accPr>
+                            <m:chr m:val="⃗"/>
+                            <m:ctrlPr>
+                              <a:rPr lang="fr-FR" sz="1200" b="0" i="1" smtClean="0">
+                                <a:latin typeface="Cambria Math" panose="02040503050406030204" pitchFamily="18" charset="0"/>
+                              </a:rPr>
+                            </m:ctrlPr>
+                          </m:accPr>
+                          <m:e>
+                            <m:r>
+                              <a:rPr lang="fr-FR" sz="1200" b="0" i="1" smtClean="0">
+                                <a:latin typeface="Cambria Math"/>
+                              </a:rPr>
+                              <m:t>𝐴𝐶</m:t>
+                            </m:r>
+                          </m:e>
+                        </m:acc>
+                        <m:r>
+                          <a:rPr lang="fr-FR" sz="1200" b="0" i="1" smtClean="0">
+                            <a:latin typeface="Cambria Math"/>
+                          </a:rPr>
+                          <m:t>=</m:t>
+                        </m:r>
+                        <m:r>
+                          <a:rPr lang="fr-FR" sz="1200" b="0" i="1" smtClean="0">
+                            <a:latin typeface="Cambria Math"/>
+                          </a:rPr>
+                          <m:t>𝜆</m:t>
+                        </m:r>
+                        <m:r>
+                          <a:rPr lang="fr-FR" sz="1200" b="0" i="1" smtClean="0">
+                            <a:latin typeface="Cambria Math"/>
+                          </a:rPr>
+                          <m:t>⋅</m:t>
+                        </m:r>
+                        <m:acc>
+                          <m:accPr>
+                            <m:chr m:val="⃗"/>
+                            <m:ctrlPr>
+                              <a:rPr lang="fr-FR" sz="1200" i="1">
+                                <a:latin typeface="Cambria Math" panose="02040503050406030204" pitchFamily="18" charset="0"/>
+                              </a:rPr>
+                            </m:ctrlPr>
+                          </m:accPr>
+                          <m:e>
+                            <m:sSub>
+                              <m:sSubPr>
+                                <m:ctrlPr>
+                                  <a:rPr lang="fr-FR" sz="1200" b="0" i="1" smtClean="0">
+                                    <a:latin typeface="Cambria Math" panose="02040503050406030204" pitchFamily="18" charset="0"/>
+                                  </a:rPr>
+                                </m:ctrlPr>
+                              </m:sSubPr>
+                              <m:e>
+                                <m:r>
+                                  <a:rPr lang="fr-FR" sz="1200" b="0" i="1" smtClean="0">
+                                    <a:latin typeface="Cambria Math"/>
+                                  </a:rPr>
+                                  <m:t>𝑥</m:t>
+                                </m:r>
+                              </m:e>
+                              <m:sub>
+                                <m:r>
+                                  <a:rPr lang="fr-FR" sz="1200" b="0" i="1" smtClean="0">
+                                    <a:latin typeface="Cambria Math"/>
+                                  </a:rPr>
+                                  <m:t>1</m:t>
+                                </m:r>
+                              </m:sub>
+                            </m:sSub>
+                          </m:e>
+                        </m:acc>
+                      </m:oMath>
+                    </m:oMathPara>
+                  </a14:m>
+                  <a:endParaRPr lang="fr-FR" sz="1200" dirty="0"/>
+                </a:p>
+              </p:txBody>
+            </p:sp>
+          </mc:Choice>
+          <mc:Fallback xmlns="">
+            <p:sp>
+              <p:nvSpPr>
+                <p:cNvPr id="155" name="ZoneTexte 154"/>
+                <p:cNvSpPr txBox="1">
+                  <a:spLocks noRot="1" noChangeAspect="1" noMove="1" noResize="1" noEditPoints="1" noAdjustHandles="1" noChangeArrowheads="1" noChangeShapeType="1" noTextEdit="1"/>
+                </p:cNvSpPr>
+                <p:nvPr/>
+              </p:nvSpPr>
+              <p:spPr>
+                <a:xfrm>
+                  <a:off x="6385074" y="4653136"/>
+                  <a:ext cx="960006" cy="300595"/>
+                </a:xfrm>
+                <a:prstGeom prst="rect">
+                  <a:avLst/>
+                </a:prstGeom>
+                <a:blipFill>
+                  <a:blip r:embed="rId28"/>
+                  <a:stretch>
+                    <a:fillRect/>
+                  </a:stretch>
+                </a:blipFill>
+              </p:spPr>
+              <p:txBody>
+                <a:bodyPr/>
+                <a:lstStyle/>
+                <a:p>
+                  <a:r>
+                    <a:rPr lang="fr-FR">
+                      <a:noFill/>
+                    </a:rPr>
+                    <a:t> </a:t>
+                  </a:r>
+                </a:p>
+              </p:txBody>
+            </p:sp>
+          </mc:Fallback>
+        </mc:AlternateContent>
+      </p:grpSp>
       <mc:AlternateContent xmlns:mc="http://schemas.openxmlformats.org/markup-compatibility/2006" xmlns:a14="http://schemas.microsoft.com/office/drawing/2010/main">
         <mc:Choice Requires="a14">
-          <p:sp>
-            <p:nvSpPr>
-              <p:cNvPr id="153" name="ZoneTexte 152"/>
-              <p:cNvSpPr txBox="1"/>
-              <p:nvPr/>
-            </p:nvSpPr>
-            <p:spPr>
-              <a:xfrm>
-                <a:off x="6385074" y="4040548"/>
-                <a:ext cx="1889428" cy="300595"/>
-              </a:xfrm>
-              <a:prstGeom prst="rect">
-                <a:avLst/>
-              </a:prstGeom>
-              <a:noFill/>
-            </p:spPr>
-            <p:txBody>
-              <a:bodyPr wrap="none" rtlCol="0">
-                <a:spAutoFit/>
-              </a:bodyPr>
-              <a:lstStyle/>
-              <a:p>
-                <a:pPr/>
-                <a14:m>
-                  <m:oMathPara xmlns:m="http://schemas.openxmlformats.org/officeDocument/2006/math">
-                    <m:oMathParaPr>
-                      <m:jc m:val="centerGroup"/>
-                    </m:oMathParaPr>
-                    <m:oMath xmlns:m="http://schemas.openxmlformats.org/officeDocument/2006/math">
-                      <m:acc>
-                        <m:accPr>
-                          <m:chr m:val="⃗"/>
-                          <m:ctrlPr>
-                            <a:rPr lang="fr-FR" sz="1200" b="0" i="1" smtClean="0">
-                              <a:latin typeface="Cambria Math"/>
-                            </a:rPr>
-                          </m:ctrlPr>
-                        </m:accPr>
-                        <m:e>
-                          <m:r>
-                            <a:rPr lang="fr-FR" sz="1200" b="0" i="1" smtClean="0">
-                              <a:latin typeface="Cambria Math"/>
-                            </a:rPr>
-                            <m:t>𝐴𝐷</m:t>
-                          </m:r>
-                        </m:e>
-                      </m:acc>
-                      <m:r>
-                        <a:rPr lang="fr-FR" sz="1200" b="0" i="1" smtClean="0">
-                          <a:latin typeface="Cambria Math"/>
-                        </a:rPr>
-                        <m:t>=</m:t>
-                      </m:r>
-                      <m:r>
-                        <a:rPr lang="fr-FR" sz="1200" b="0" i="1" smtClean="0">
-                          <a:latin typeface="Cambria Math"/>
-                        </a:rPr>
-                        <m:t>𝑎</m:t>
-                      </m:r>
-                      <m:r>
-                        <a:rPr lang="fr-FR" sz="1200" b="0" i="1" smtClean="0">
-                          <a:latin typeface="Cambria Math"/>
-                        </a:rPr>
-                        <m:t>⋅</m:t>
-                      </m:r>
-                      <m:sSup>
-                        <m:sSupPr>
-                          <m:ctrlPr>
-                            <a:rPr lang="fr-FR" sz="1200" b="0" i="1" smtClean="0">
-                              <a:latin typeface="Cambria Math"/>
-                            </a:rPr>
-                          </m:ctrlPr>
-                        </m:sSupPr>
-                        <m:e>
-                          <m:acc>
-                            <m:accPr>
-                              <m:chr m:val="⃗"/>
-                              <m:ctrlPr>
-                                <a:rPr lang="fr-FR" sz="1200" i="1">
-                                  <a:latin typeface="Cambria Math"/>
-                                </a:rPr>
-                              </m:ctrlPr>
-                            </m:accPr>
-                            <m:e>
-                              <m:sSub>
-                                <m:sSubPr>
-                                  <m:ctrlPr>
-                                    <a:rPr lang="fr-FR" sz="1200" b="0" i="1" smtClean="0">
-                                      <a:latin typeface="Cambria Math"/>
-                                    </a:rPr>
-                                  </m:ctrlPr>
-                                </m:sSubPr>
-                                <m:e>
-                                  <m:r>
-                                    <a:rPr lang="fr-FR" sz="1200" b="0" i="1" smtClean="0">
-                                      <a:latin typeface="Cambria Math"/>
-                                    </a:rPr>
-                                    <m:t>𝑥</m:t>
-                                  </m:r>
-                                </m:e>
-                                <m:sub>
-                                  <m:r>
-                                    <a:rPr lang="fr-FR" sz="1200" b="0" i="1" smtClean="0">
-                                      <a:latin typeface="Cambria Math"/>
-                                    </a:rPr>
-                                    <m:t>0</m:t>
-                                  </m:r>
-                                </m:sub>
-                              </m:sSub>
-                            </m:e>
-                          </m:acc>
-                        </m:e>
-                        <m:sup>
-                          <m:r>
-                            <a:rPr lang="fr-FR" sz="1200" b="0" i="1" smtClean="0">
-                              <a:latin typeface="Cambria Math"/>
-                            </a:rPr>
-                            <m:t>′</m:t>
-                          </m:r>
-                        </m:sup>
-                      </m:sSup>
-                      <m:r>
-                        <a:rPr lang="fr-FR" sz="1200" b="0" i="1" smtClean="0">
-                          <a:latin typeface="Cambria Math"/>
-                        </a:rPr>
-                        <m:t>=</m:t>
-                      </m:r>
-                      <m:r>
-                        <a:rPr lang="fr-FR" sz="1200" b="0" i="1" smtClean="0">
-                          <a:latin typeface="Cambria Math"/>
-                        </a:rPr>
-                        <m:t>𝑐</m:t>
-                      </m:r>
-                      <m:acc>
-                        <m:accPr>
-                          <m:chr m:val="⃗"/>
-                          <m:ctrlPr>
-                            <a:rPr lang="fr-FR" sz="1200" i="1">
-                              <a:latin typeface="Cambria Math"/>
-                            </a:rPr>
-                          </m:ctrlPr>
-                        </m:accPr>
-                        <m:e>
-                          <m:sSub>
-                            <m:sSubPr>
-                              <m:ctrlPr>
-                                <a:rPr lang="fr-FR" sz="1200" i="1">
-                                  <a:latin typeface="Cambria Math"/>
-                                </a:rPr>
-                              </m:ctrlPr>
-                            </m:sSubPr>
-                            <m:e>
-                              <m:r>
-                                <a:rPr lang="fr-FR" sz="1200" i="1">
-                                  <a:latin typeface="Cambria Math"/>
-                                </a:rPr>
-                                <m:t>𝑥</m:t>
-                              </m:r>
-                            </m:e>
-                            <m:sub>
-                              <m:r>
-                                <a:rPr lang="fr-FR" sz="1200" i="1">
-                                  <a:latin typeface="Cambria Math"/>
-                                </a:rPr>
-                                <m:t>0</m:t>
-                              </m:r>
-                            </m:sub>
-                          </m:sSub>
-                        </m:e>
-                      </m:acc>
-                      <m:r>
-                        <a:rPr lang="fr-FR" sz="1200" b="0" i="1" smtClean="0">
-                          <a:latin typeface="Cambria Math"/>
-                        </a:rPr>
-                        <m:t>+</m:t>
-                      </m:r>
-                      <m:r>
-                        <a:rPr lang="fr-FR" sz="1200" b="0" i="1" smtClean="0">
-                          <a:latin typeface="Cambria Math"/>
-                        </a:rPr>
-                        <m:t>𝑑</m:t>
-                      </m:r>
-                      <m:acc>
-                        <m:accPr>
-                          <m:chr m:val="⃗"/>
-                          <m:ctrlPr>
-                            <a:rPr lang="fr-FR" sz="1200" i="1" smtClean="0">
-                              <a:latin typeface="Cambria Math"/>
-                            </a:rPr>
-                          </m:ctrlPr>
-                        </m:accPr>
-                        <m:e>
-                          <m:sSub>
-                            <m:sSubPr>
-                              <m:ctrlPr>
-                                <a:rPr lang="fr-FR" sz="1200" i="1">
-                                  <a:latin typeface="Cambria Math"/>
-                                </a:rPr>
-                              </m:ctrlPr>
-                            </m:sSubPr>
-                            <m:e>
-                              <m:r>
-                                <a:rPr lang="fr-FR" sz="1200" b="0" i="1" smtClean="0">
-                                  <a:latin typeface="Cambria Math"/>
-                                </a:rPr>
-                                <m:t>𝑦</m:t>
-                              </m:r>
-                            </m:e>
-                            <m:sub>
-                              <m:r>
-                                <a:rPr lang="fr-FR" sz="1200" i="1">
-                                  <a:latin typeface="Cambria Math"/>
-                                </a:rPr>
-                                <m:t>0</m:t>
-                              </m:r>
-                            </m:sub>
-                          </m:sSub>
-                        </m:e>
-                      </m:acc>
-                    </m:oMath>
-                  </m:oMathPara>
-                </a14:m>
-                <a:endParaRPr lang="fr-FR" sz="1200" dirty="0"/>
-              </a:p>
-            </p:txBody>
-          </p:sp>
-        </mc:Choice>
-        <mc:Fallback xmlns="">
-          <p:sp>
-            <p:nvSpPr>
-              <p:cNvPr id="153" name="ZoneTexte 152"/>
-              <p:cNvSpPr txBox="1">
-                <a:spLocks noRot="1" noChangeAspect="1" noMove="1" noResize="1" noEditPoints="1" noAdjustHandles="1" noChangeArrowheads="1" noChangeShapeType="1" noTextEdit="1"/>
-              </p:cNvSpPr>
-              <p:nvPr/>
-            </p:nvSpPr>
-            <p:spPr>
-              <a:xfrm>
-                <a:off x="6385074" y="4040548"/>
-                <a:ext cx="1889428" cy="300595"/>
-              </a:xfrm>
-              <a:prstGeom prst="rect">
-                <a:avLst/>
-              </a:prstGeom>
-              <a:blipFill rotWithShape="1">
-                <a:blip r:embed="rId26"/>
-                <a:stretch>
-                  <a:fillRect/>
-                </a:stretch>
-              </a:blipFill>
-            </p:spPr>
-            <p:txBody>
-              <a:bodyPr/>
-              <a:lstStyle/>
-              <a:p>
-                <a:r>
-                  <a:rPr lang="fr-FR">
-                    <a:noFill/>
-                  </a:rPr>
-                  <a:t> </a:t>
-                </a:r>
-              </a:p>
-            </p:txBody>
-          </p:sp>
-        </mc:Fallback>
-      </mc:AlternateContent>
-      <mc:AlternateContent xmlns:mc="http://schemas.openxmlformats.org/markup-compatibility/2006" xmlns:a14="http://schemas.microsoft.com/office/drawing/2010/main">
-        <mc:Choice Requires="a14">
-          <p:sp>
-            <p:nvSpPr>
-              <p:cNvPr id="154" name="ZoneTexte 153"/>
-              <p:cNvSpPr txBox="1"/>
-              <p:nvPr/>
-            </p:nvSpPr>
-            <p:spPr>
-              <a:xfrm>
-                <a:off x="6385074" y="4346842"/>
-                <a:ext cx="975587" cy="300595"/>
-              </a:xfrm>
-              <a:prstGeom prst="rect">
-                <a:avLst/>
-              </a:prstGeom>
-              <a:noFill/>
-            </p:spPr>
-            <p:txBody>
-              <a:bodyPr wrap="none" rtlCol="0">
-                <a:spAutoFit/>
-              </a:bodyPr>
-              <a:lstStyle/>
-              <a:p>
-                <a:pPr/>
-                <a14:m>
-                  <m:oMathPara xmlns:m="http://schemas.openxmlformats.org/officeDocument/2006/math">
-                    <m:oMathParaPr>
-                      <m:jc m:val="centerGroup"/>
-                    </m:oMathParaPr>
-                    <m:oMath xmlns:m="http://schemas.openxmlformats.org/officeDocument/2006/math">
-                      <m:acc>
-                        <m:accPr>
-                          <m:chr m:val="⃗"/>
-                          <m:ctrlPr>
-                            <a:rPr lang="fr-FR" sz="1200" b="0" i="1" smtClean="0">
-                              <a:latin typeface="Cambria Math"/>
-                            </a:rPr>
-                          </m:ctrlPr>
-                        </m:accPr>
-                        <m:e>
-                          <m:r>
-                            <a:rPr lang="fr-FR" sz="1200" b="0" i="1" smtClean="0">
-                              <a:latin typeface="Cambria Math"/>
-                            </a:rPr>
-                            <m:t>𝐷𝐶</m:t>
-                          </m:r>
-                        </m:e>
-                      </m:acc>
-                      <m:r>
-                        <a:rPr lang="fr-FR" sz="1200" b="0" i="1" smtClean="0">
-                          <a:latin typeface="Cambria Math"/>
-                        </a:rPr>
-                        <m:t>=</m:t>
-                      </m:r>
-                      <m:r>
-                        <a:rPr lang="fr-FR" sz="1200" b="0" i="1" smtClean="0">
-                          <a:latin typeface="Cambria Math"/>
-                        </a:rPr>
-                        <m:t>𝑏</m:t>
-                      </m:r>
-                      <m:r>
-                        <a:rPr lang="fr-FR" sz="1200" b="0" i="1" smtClean="0">
-                          <a:latin typeface="Cambria Math"/>
-                        </a:rPr>
-                        <m:t>⋅</m:t>
-                      </m:r>
-                      <m:acc>
-                        <m:accPr>
-                          <m:chr m:val="⃗"/>
-                          <m:ctrlPr>
-                            <a:rPr lang="fr-FR" sz="1200" i="1">
-                              <a:latin typeface="Cambria Math"/>
-                            </a:rPr>
-                          </m:ctrlPr>
-                        </m:accPr>
-                        <m:e>
-                          <m:sSub>
-                            <m:sSubPr>
-                              <m:ctrlPr>
-                                <a:rPr lang="fr-FR" sz="1200" b="0" i="1" smtClean="0">
-                                  <a:latin typeface="Cambria Math"/>
-                                </a:rPr>
-                              </m:ctrlPr>
-                            </m:sSubPr>
-                            <m:e>
-                              <m:r>
-                                <a:rPr lang="fr-FR" sz="1200" b="0" i="1" smtClean="0">
-                                  <a:latin typeface="Cambria Math"/>
-                                </a:rPr>
-                                <m:t>𝑥</m:t>
-                              </m:r>
-                            </m:e>
-                            <m:sub>
-                              <m:r>
-                                <a:rPr lang="fr-FR" sz="1200" b="0" i="1" smtClean="0">
-                                  <a:latin typeface="Cambria Math"/>
-                                </a:rPr>
-                                <m:t>4</m:t>
-                              </m:r>
-                            </m:sub>
-                          </m:sSub>
-                        </m:e>
-                      </m:acc>
-                    </m:oMath>
-                  </m:oMathPara>
-                </a14:m>
-                <a:endParaRPr lang="fr-FR" sz="1200" dirty="0"/>
-              </a:p>
-            </p:txBody>
-          </p:sp>
-        </mc:Choice>
-        <mc:Fallback xmlns="">
-          <p:sp>
-            <p:nvSpPr>
-              <p:cNvPr id="154" name="ZoneTexte 153"/>
-              <p:cNvSpPr txBox="1">
-                <a:spLocks noRot="1" noChangeAspect="1" noMove="1" noResize="1" noEditPoints="1" noAdjustHandles="1" noChangeArrowheads="1" noChangeShapeType="1" noTextEdit="1"/>
-              </p:cNvSpPr>
-              <p:nvPr/>
-            </p:nvSpPr>
-            <p:spPr>
-              <a:xfrm>
-                <a:off x="6385074" y="4346842"/>
-                <a:ext cx="975587" cy="300595"/>
-              </a:xfrm>
-              <a:prstGeom prst="rect">
-                <a:avLst/>
-              </a:prstGeom>
-              <a:blipFill rotWithShape="1">
-                <a:blip r:embed="rId27"/>
-                <a:stretch>
-                  <a:fillRect/>
-                </a:stretch>
-              </a:blipFill>
-            </p:spPr>
-            <p:txBody>
-              <a:bodyPr/>
-              <a:lstStyle/>
-              <a:p>
-                <a:r>
-                  <a:rPr lang="fr-FR">
-                    <a:noFill/>
-                  </a:rPr>
-                  <a:t> </a:t>
-                </a:r>
-              </a:p>
-            </p:txBody>
-          </p:sp>
-        </mc:Fallback>
-      </mc:AlternateContent>
-      <mc:AlternateContent xmlns:mc="http://schemas.openxmlformats.org/markup-compatibility/2006" xmlns:a14="http://schemas.microsoft.com/office/drawing/2010/main">
-        <mc:Choice Requires="a14">
-          <p:sp>
-            <p:nvSpPr>
-              <p:cNvPr id="155" name="ZoneTexte 154"/>
-              <p:cNvSpPr txBox="1"/>
-              <p:nvPr/>
-            </p:nvSpPr>
-            <p:spPr>
-              <a:xfrm>
-                <a:off x="6385074" y="4653136"/>
-                <a:ext cx="960006" cy="300595"/>
-              </a:xfrm>
-              <a:prstGeom prst="rect">
-                <a:avLst/>
-              </a:prstGeom>
-              <a:noFill/>
-            </p:spPr>
-            <p:txBody>
-              <a:bodyPr wrap="none" rtlCol="0">
-                <a:spAutoFit/>
-              </a:bodyPr>
-              <a:lstStyle/>
-              <a:p>
-                <a:pPr/>
-                <a14:m>
-                  <m:oMathPara xmlns:m="http://schemas.openxmlformats.org/officeDocument/2006/math">
-                    <m:oMathParaPr>
-                      <m:jc m:val="centerGroup"/>
-                    </m:oMathParaPr>
-                    <m:oMath xmlns:m="http://schemas.openxmlformats.org/officeDocument/2006/math">
-                      <m:acc>
-                        <m:accPr>
-                          <m:chr m:val="⃗"/>
-                          <m:ctrlPr>
-                            <a:rPr lang="fr-FR" sz="1200" b="0" i="1" smtClean="0">
-                              <a:latin typeface="Cambria Math"/>
-                            </a:rPr>
-                          </m:ctrlPr>
-                        </m:accPr>
-                        <m:e>
-                          <m:r>
-                            <a:rPr lang="fr-FR" sz="1200" b="0" i="1" smtClean="0">
-                              <a:latin typeface="Cambria Math"/>
-                            </a:rPr>
-                            <m:t>𝐴𝐶</m:t>
-                          </m:r>
-                        </m:e>
-                      </m:acc>
-                      <m:r>
-                        <a:rPr lang="fr-FR" sz="1200" b="0" i="1" smtClean="0">
-                          <a:latin typeface="Cambria Math"/>
-                        </a:rPr>
-                        <m:t>=</m:t>
-                      </m:r>
-                      <m:r>
-                        <a:rPr lang="fr-FR" sz="1200" b="0" i="1" smtClean="0">
-                          <a:latin typeface="Cambria Math"/>
-                        </a:rPr>
-                        <m:t>𝜆</m:t>
-                      </m:r>
-                      <m:r>
-                        <a:rPr lang="fr-FR" sz="1200" b="0" i="1" smtClean="0">
-                          <a:latin typeface="Cambria Math"/>
-                        </a:rPr>
-                        <m:t>⋅</m:t>
-                      </m:r>
-                      <m:acc>
-                        <m:accPr>
-                          <m:chr m:val="⃗"/>
-                          <m:ctrlPr>
-                            <a:rPr lang="fr-FR" sz="1200" i="1">
-                              <a:latin typeface="Cambria Math"/>
-                            </a:rPr>
-                          </m:ctrlPr>
-                        </m:accPr>
-                        <m:e>
-                          <m:sSub>
-                            <m:sSubPr>
-                              <m:ctrlPr>
-                                <a:rPr lang="fr-FR" sz="1200" b="0" i="1" smtClean="0">
-                                  <a:latin typeface="Cambria Math"/>
-                                </a:rPr>
-                              </m:ctrlPr>
-                            </m:sSubPr>
-                            <m:e>
-                              <m:r>
-                                <a:rPr lang="fr-FR" sz="1200" b="0" i="1" smtClean="0">
-                                  <a:latin typeface="Cambria Math"/>
-                                </a:rPr>
-                                <m:t>𝑥</m:t>
-                              </m:r>
-                            </m:e>
-                            <m:sub>
-                              <m:r>
-                                <a:rPr lang="fr-FR" sz="1200" b="0" i="1" smtClean="0">
-                                  <a:latin typeface="Cambria Math"/>
-                                </a:rPr>
-                                <m:t>1</m:t>
-                              </m:r>
-                            </m:sub>
-                          </m:sSub>
-                        </m:e>
-                      </m:acc>
-                    </m:oMath>
-                  </m:oMathPara>
-                </a14:m>
-                <a:endParaRPr lang="fr-FR" sz="1200" dirty="0"/>
-              </a:p>
-            </p:txBody>
-          </p:sp>
-        </mc:Choice>
-        <mc:Fallback xmlns="">
-          <p:sp>
-            <p:nvSpPr>
-              <p:cNvPr id="155" name="ZoneTexte 154"/>
-              <p:cNvSpPr txBox="1">
-                <a:spLocks noRot="1" noChangeAspect="1" noMove="1" noResize="1" noEditPoints="1" noAdjustHandles="1" noChangeArrowheads="1" noChangeShapeType="1" noTextEdit="1"/>
-              </p:cNvSpPr>
-              <p:nvPr/>
-            </p:nvSpPr>
-            <p:spPr>
-              <a:xfrm>
-                <a:off x="6385074" y="4653136"/>
-                <a:ext cx="960006" cy="300595"/>
-              </a:xfrm>
-              <a:prstGeom prst="rect">
-                <a:avLst/>
-              </a:prstGeom>
-              <a:blipFill rotWithShape="1">
-                <a:blip r:embed="rId28"/>
-                <a:stretch>
-                  <a:fillRect/>
-                </a:stretch>
-              </a:blipFill>
-            </p:spPr>
-            <p:txBody>
-              <a:bodyPr/>
-              <a:lstStyle/>
-              <a:p>
-                <a:r>
-                  <a:rPr lang="fr-FR">
-                    <a:noFill/>
-                  </a:rPr>
-                  <a:t> </a:t>
-                </a:r>
-              </a:p>
-            </p:txBody>
-          </p:sp>
-        </mc:Fallback>
-      </mc:AlternateContent>
-      <mc:AlternateContent xmlns:mc="http://schemas.openxmlformats.org/markup-compatibility/2006">
-        <mc:Choice xmlns:a14="http://schemas.microsoft.com/office/drawing/2010/main" Requires="a14">
           <p:sp>
             <p:nvSpPr>
               <p:cNvPr id="2" name="ZoneTexte 1"/>
@@ -8782,6 +8806,7 @@
               </a:bodyPr>
               <a:lstStyle/>
               <a:p>
+                <a:pPr/>
                 <a14:m>
                   <m:oMathPara xmlns:m="http://schemas.openxmlformats.org/officeDocument/2006/math">
                     <m:oMathParaPr>
@@ -8802,7 +8827,7 @@
             </p:txBody>
           </p:sp>
         </mc:Choice>
-        <mc:Fallback>
+        <mc:Fallback xmlns="">
           <p:sp>
             <p:nvSpPr>
               <p:cNvPr id="2" name="ZoneTexte 1"/>
@@ -8878,8 +8903,8 @@
           </a:fontRef>
         </p:style>
       </p:cxnSp>
-      <mc:AlternateContent xmlns:mc="http://schemas.openxmlformats.org/markup-compatibility/2006">
-        <mc:Choice xmlns:a14="http://schemas.microsoft.com/office/drawing/2010/main" Requires="a14">
+      <mc:AlternateContent xmlns:mc="http://schemas.openxmlformats.org/markup-compatibility/2006" xmlns:a14="http://schemas.microsoft.com/office/drawing/2010/main">
+        <mc:Choice Requires="a14">
           <p:sp>
             <p:nvSpPr>
               <p:cNvPr id="99" name="ZoneTexte 98"/>
@@ -8902,6 +8927,7 @@
               </a:bodyPr>
               <a:lstStyle/>
               <a:p>
+                <a:pPr/>
                 <a14:m>
                   <m:oMathPara xmlns:m="http://schemas.openxmlformats.org/officeDocument/2006/math">
                     <m:oMathParaPr>
@@ -8922,7 +8948,7 @@
             </p:txBody>
           </p:sp>
         </mc:Choice>
-        <mc:Fallback>
+        <mc:Fallback xmlns="">
           <p:sp>
             <p:nvSpPr>
               <p:cNvPr id="99" name="ZoneTexte 98"/>
@@ -8961,8 +8987,8 @@
           </p:sp>
         </mc:Fallback>
       </mc:AlternateContent>
-      <mc:AlternateContent xmlns:mc="http://schemas.openxmlformats.org/markup-compatibility/2006">
-        <mc:Choice xmlns:a14="http://schemas.microsoft.com/office/drawing/2010/main" Requires="a14">
+      <mc:AlternateContent xmlns:mc="http://schemas.openxmlformats.org/markup-compatibility/2006" xmlns:a14="http://schemas.microsoft.com/office/drawing/2010/main">
+        <mc:Choice Requires="a14">
           <p:sp>
             <p:nvSpPr>
               <p:cNvPr id="102" name="ZoneTexte 101"/>
@@ -8985,6 +9011,7 @@
               </a:bodyPr>
               <a:lstStyle/>
               <a:p>
+                <a:pPr/>
                 <a14:m>
                   <m:oMathPara xmlns:m="http://schemas.openxmlformats.org/officeDocument/2006/math">
                     <m:oMathParaPr>
@@ -9005,7 +9032,7 @@
             </p:txBody>
           </p:sp>
         </mc:Choice>
-        <mc:Fallback>
+        <mc:Fallback xmlns="">
           <p:sp>
             <p:nvSpPr>
               <p:cNvPr id="102" name="ZoneTexte 101"/>
@@ -9081,8 +9108,8 @@
           </a:fontRef>
         </p:style>
       </p:cxnSp>
-      <mc:AlternateContent xmlns:mc="http://schemas.openxmlformats.org/markup-compatibility/2006">
-        <mc:Choice xmlns:a14="http://schemas.microsoft.com/office/drawing/2010/main" Requires="a14">
+      <mc:AlternateContent xmlns:mc="http://schemas.openxmlformats.org/markup-compatibility/2006" xmlns:a14="http://schemas.microsoft.com/office/drawing/2010/main">
+        <mc:Choice Requires="a14">
           <p:sp>
             <p:nvSpPr>
               <p:cNvPr id="106" name="ZoneTexte 105"/>
@@ -9105,6 +9132,7 @@
               </a:bodyPr>
               <a:lstStyle/>
               <a:p>
+                <a:pPr/>
                 <a14:m>
                   <m:oMathPara xmlns:m="http://schemas.openxmlformats.org/officeDocument/2006/math">
                     <m:oMathParaPr>
@@ -9125,7 +9153,7 @@
             </p:txBody>
           </p:sp>
         </mc:Choice>
-        <mc:Fallback>
+        <mc:Fallback xmlns="">
           <p:sp>
             <p:nvSpPr>
               <p:cNvPr id="106" name="ZoneTexte 105"/>
@@ -9164,6 +9192,1127 @@
           </p:sp>
         </mc:Fallback>
       </mc:AlternateContent>
+      <p:grpSp>
+        <p:nvGrpSpPr>
+          <p:cNvPr id="8" name="Groupe 7">
+            <a:extLst>
+              <a:ext uri="{FF2B5EF4-FFF2-40B4-BE49-F238E27FC236}">
+                <a16:creationId xmlns:a16="http://schemas.microsoft.com/office/drawing/2014/main" id="{B4C6D501-A8FA-C78E-7F0E-A17D7E8E92AD}"/>
+              </a:ext>
+            </a:extLst>
+          </p:cNvPr>
+          <p:cNvGrpSpPr/>
+          <p:nvPr/>
+        </p:nvGrpSpPr>
+        <p:grpSpPr>
+          <a:xfrm>
+            <a:off x="6027762" y="3860402"/>
+            <a:ext cx="1703306" cy="1666470"/>
+            <a:chOff x="5262233" y="3152282"/>
+            <a:chExt cx="1703306" cy="1666470"/>
+          </a:xfrm>
+        </p:grpSpPr>
+        <p:grpSp>
+          <p:nvGrpSpPr>
+            <p:cNvPr id="10" name="Groupe 9">
+              <a:extLst>
+                <a:ext uri="{FF2B5EF4-FFF2-40B4-BE49-F238E27FC236}">
+                  <a16:creationId xmlns:a16="http://schemas.microsoft.com/office/drawing/2014/main" id="{837514D4-1646-19C5-D658-1DB4A13281D6}"/>
+                </a:ext>
+              </a:extLst>
+            </p:cNvPr>
+            <p:cNvGrpSpPr/>
+            <p:nvPr/>
+          </p:nvGrpSpPr>
+          <p:grpSpPr>
+            <a:xfrm>
+              <a:off x="5940152" y="3401722"/>
+              <a:ext cx="749927" cy="749927"/>
+              <a:chOff x="5294563" y="3372196"/>
+              <a:chExt cx="749927" cy="749927"/>
+            </a:xfrm>
+          </p:grpSpPr>
+          <p:cxnSp>
+            <p:nvCxnSpPr>
+              <p:cNvPr id="28" name="Connecteur droit avec flèche 27">
+                <a:extLst>
+                  <a:ext uri="{FF2B5EF4-FFF2-40B4-BE49-F238E27FC236}">
+                    <a16:creationId xmlns:a16="http://schemas.microsoft.com/office/drawing/2014/main" id="{F3A9B4AA-947D-6C42-60AB-6CBDAB2CFA7B}"/>
+                  </a:ext>
+                </a:extLst>
+              </p:cNvPr>
+              <p:cNvCxnSpPr/>
+              <p:nvPr/>
+            </p:nvCxnSpPr>
+            <p:spPr>
+              <a:xfrm>
+                <a:off x="5294563" y="4119730"/>
+                <a:ext cx="749927" cy="0"/>
+              </a:xfrm>
+              <a:prstGeom prst="straightConnector1">
+                <a:avLst/>
+              </a:prstGeom>
+              <a:ln w="19050">
+                <a:solidFill>
+                  <a:srgbClr val="00B050"/>
+                </a:solidFill>
+                <a:tailEnd type="stealth" w="med" len="lg"/>
+              </a:ln>
+            </p:spPr>
+            <p:style>
+              <a:lnRef idx="1">
+                <a:schemeClr val="accent1"/>
+              </a:lnRef>
+              <a:fillRef idx="0">
+                <a:schemeClr val="accent1"/>
+              </a:fillRef>
+              <a:effectRef idx="0">
+                <a:schemeClr val="accent1"/>
+              </a:effectRef>
+              <a:fontRef idx="minor">
+                <a:schemeClr val="tx1"/>
+              </a:fontRef>
+            </p:style>
+          </p:cxnSp>
+          <p:cxnSp>
+            <p:nvCxnSpPr>
+              <p:cNvPr id="29" name="Connecteur droit avec flèche 28">
+                <a:extLst>
+                  <a:ext uri="{FF2B5EF4-FFF2-40B4-BE49-F238E27FC236}">
+                    <a16:creationId xmlns:a16="http://schemas.microsoft.com/office/drawing/2014/main" id="{F978BE59-7E76-A03F-F167-55C2195782C1}"/>
+                  </a:ext>
+                </a:extLst>
+              </p:cNvPr>
+              <p:cNvCxnSpPr/>
+              <p:nvPr/>
+            </p:nvCxnSpPr>
+            <p:spPr>
+              <a:xfrm rot="16200000">
+                <a:off x="4919600" y="3747160"/>
+                <a:ext cx="749927" cy="0"/>
+              </a:xfrm>
+              <a:prstGeom prst="straightConnector1">
+                <a:avLst/>
+              </a:prstGeom>
+              <a:ln w="19050">
+                <a:solidFill>
+                  <a:srgbClr val="00B050"/>
+                </a:solidFill>
+                <a:tailEnd type="stealth" w="med" len="lg"/>
+              </a:ln>
+            </p:spPr>
+            <p:style>
+              <a:lnRef idx="1">
+                <a:schemeClr val="accent1"/>
+              </a:lnRef>
+              <a:fillRef idx="0">
+                <a:schemeClr val="accent1"/>
+              </a:fillRef>
+              <a:effectRef idx="0">
+                <a:schemeClr val="accent1"/>
+              </a:effectRef>
+              <a:fontRef idx="minor">
+                <a:schemeClr val="tx1"/>
+              </a:fontRef>
+            </p:style>
+          </p:cxnSp>
+        </p:grpSp>
+        <p:grpSp>
+          <p:nvGrpSpPr>
+            <p:cNvPr id="11" name="Groupe 10">
+              <a:extLst>
+                <a:ext uri="{FF2B5EF4-FFF2-40B4-BE49-F238E27FC236}">
+                  <a16:creationId xmlns:a16="http://schemas.microsoft.com/office/drawing/2014/main" id="{D96383F6-9A26-BBE1-B4F7-ADB1A1847D9C}"/>
+                </a:ext>
+              </a:extLst>
+            </p:cNvPr>
+            <p:cNvGrpSpPr/>
+            <p:nvPr/>
+          </p:nvGrpSpPr>
+          <p:grpSpPr>
+            <a:xfrm rot="19800000">
+              <a:off x="5709204" y="3270482"/>
+              <a:ext cx="749927" cy="749927"/>
+              <a:chOff x="5294563" y="3372196"/>
+              <a:chExt cx="749927" cy="749927"/>
+            </a:xfrm>
+          </p:grpSpPr>
+          <p:cxnSp>
+            <p:nvCxnSpPr>
+              <p:cNvPr id="26" name="Connecteur droit avec flèche 25">
+                <a:extLst>
+                  <a:ext uri="{FF2B5EF4-FFF2-40B4-BE49-F238E27FC236}">
+                    <a16:creationId xmlns:a16="http://schemas.microsoft.com/office/drawing/2014/main" id="{D8B04C2D-4F02-0483-B067-81046457CD03}"/>
+                  </a:ext>
+                </a:extLst>
+              </p:cNvPr>
+              <p:cNvCxnSpPr/>
+              <p:nvPr/>
+            </p:nvCxnSpPr>
+            <p:spPr>
+              <a:xfrm>
+                <a:off x="5294563" y="4119730"/>
+                <a:ext cx="749927" cy="0"/>
+              </a:xfrm>
+              <a:prstGeom prst="straightConnector1">
+                <a:avLst/>
+              </a:prstGeom>
+              <a:ln w="19050">
+                <a:solidFill>
+                  <a:srgbClr val="0070C0"/>
+                </a:solidFill>
+                <a:tailEnd type="stealth" w="med" len="lg"/>
+              </a:ln>
+            </p:spPr>
+            <p:style>
+              <a:lnRef idx="1">
+                <a:schemeClr val="accent1"/>
+              </a:lnRef>
+              <a:fillRef idx="0">
+                <a:schemeClr val="accent1"/>
+              </a:fillRef>
+              <a:effectRef idx="0">
+                <a:schemeClr val="accent1"/>
+              </a:effectRef>
+              <a:fontRef idx="minor">
+                <a:schemeClr val="tx1"/>
+              </a:fontRef>
+            </p:style>
+          </p:cxnSp>
+          <p:cxnSp>
+            <p:nvCxnSpPr>
+              <p:cNvPr id="27" name="Connecteur droit avec flèche 26">
+                <a:extLst>
+                  <a:ext uri="{FF2B5EF4-FFF2-40B4-BE49-F238E27FC236}">
+                    <a16:creationId xmlns:a16="http://schemas.microsoft.com/office/drawing/2014/main" id="{26BD847E-FE17-64CB-1F53-F0BF8A44DFCD}"/>
+                  </a:ext>
+                </a:extLst>
+              </p:cNvPr>
+              <p:cNvCxnSpPr/>
+              <p:nvPr/>
+            </p:nvCxnSpPr>
+            <p:spPr>
+              <a:xfrm rot="16200000">
+                <a:off x="4919600" y="3747160"/>
+                <a:ext cx="749927" cy="0"/>
+              </a:xfrm>
+              <a:prstGeom prst="straightConnector1">
+                <a:avLst/>
+              </a:prstGeom>
+              <a:ln w="19050">
+                <a:solidFill>
+                  <a:srgbClr val="0070C0"/>
+                </a:solidFill>
+                <a:tailEnd type="stealth" w="med" len="lg"/>
+              </a:ln>
+            </p:spPr>
+            <p:style>
+              <a:lnRef idx="1">
+                <a:schemeClr val="accent1"/>
+              </a:lnRef>
+              <a:fillRef idx="0">
+                <a:schemeClr val="accent1"/>
+              </a:fillRef>
+              <a:effectRef idx="0">
+                <a:schemeClr val="accent1"/>
+              </a:effectRef>
+              <a:fontRef idx="minor">
+                <a:schemeClr val="tx1"/>
+              </a:fontRef>
+            </p:style>
+          </p:cxnSp>
+        </p:grpSp>
+        <p:sp>
+          <p:nvSpPr>
+            <p:cNvPr id="13" name="Arc 12">
+              <a:extLst>
+                <a:ext uri="{FF2B5EF4-FFF2-40B4-BE49-F238E27FC236}">
+                  <a16:creationId xmlns:a16="http://schemas.microsoft.com/office/drawing/2014/main" id="{16ADF704-74D2-3F0F-D94A-03BC9D0B8C62}"/>
+                </a:ext>
+              </a:extLst>
+            </p:cNvPr>
+            <p:cNvSpPr/>
+            <p:nvPr/>
+          </p:nvSpPr>
+          <p:spPr>
+            <a:xfrm>
+              <a:off x="5292080" y="3522608"/>
+              <a:ext cx="1296144" cy="1296144"/>
+            </a:xfrm>
+            <a:prstGeom prst="arc">
+              <a:avLst>
+                <a:gd name="adj1" fmla="val 20018351"/>
+                <a:gd name="adj2" fmla="val 21169866"/>
+              </a:avLst>
+            </a:prstGeom>
+            <a:ln w="19050">
+              <a:headEnd type="stealth" w="med" len="lg"/>
+              <a:tailEnd type="none" w="sm" len="med"/>
+            </a:ln>
+          </p:spPr>
+          <p:style>
+            <a:lnRef idx="1">
+              <a:schemeClr val="accent1"/>
+            </a:lnRef>
+            <a:fillRef idx="0">
+              <a:schemeClr val="accent1"/>
+            </a:fillRef>
+            <a:effectRef idx="0">
+              <a:schemeClr val="accent1"/>
+            </a:effectRef>
+            <a:fontRef idx="minor">
+              <a:schemeClr val="tx1"/>
+            </a:fontRef>
+          </p:style>
+          <p:txBody>
+            <a:bodyPr rtlCol="0" anchor="ctr"/>
+            <a:lstStyle/>
+            <a:p>
+              <a:pPr algn="ctr"/>
+              <a:endParaRPr lang="fr-FR"/>
+            </a:p>
+          </p:txBody>
+        </p:sp>
+        <mc:AlternateContent xmlns:mc="http://schemas.openxmlformats.org/markup-compatibility/2006" xmlns:a14="http://schemas.microsoft.com/office/drawing/2010/main">
+          <mc:Choice Requires="a14">
+            <p:sp>
+              <p:nvSpPr>
+                <p:cNvPr id="14" name="ZoneTexte 13">
+                  <a:extLst>
+                    <a:ext uri="{FF2B5EF4-FFF2-40B4-BE49-F238E27FC236}">
+                      <a16:creationId xmlns:a16="http://schemas.microsoft.com/office/drawing/2014/main" id="{B14415B5-2458-9378-29FB-C9245F150D42}"/>
+                    </a:ext>
+                  </a:extLst>
+                </p:cNvPr>
+                <p:cNvSpPr txBox="1"/>
+                <p:nvPr/>
+              </p:nvSpPr>
+              <p:spPr>
+                <a:xfrm>
+                  <a:off x="6595181" y="4010755"/>
+                  <a:ext cx="370358" cy="276999"/>
+                </a:xfrm>
+                <a:prstGeom prst="rect">
+                  <a:avLst/>
+                </a:prstGeom>
+                <a:noFill/>
+              </p:spPr>
+              <p:txBody>
+                <a:bodyPr wrap="none" rtlCol="0">
+                  <a:spAutoFit/>
+                </a:bodyPr>
+                <a:lstStyle/>
+                <a:p>
+                  <a:pPr/>
+                  <a14:m>
+                    <m:oMathPara xmlns:m="http://schemas.openxmlformats.org/officeDocument/2006/math">
+                      <m:oMathParaPr>
+                        <m:jc m:val="centerGroup"/>
+                      </m:oMathParaPr>
+                      <m:oMath xmlns:m="http://schemas.openxmlformats.org/officeDocument/2006/math">
+                        <m:acc>
+                          <m:accPr>
+                            <m:chr m:val="⃗"/>
+                            <m:ctrlPr>
+                              <a:rPr lang="fr-FR" sz="1200" b="0" i="1" smtClean="0">
+                                <a:latin typeface="Cambria Math" panose="02040503050406030204" pitchFamily="18" charset="0"/>
+                              </a:rPr>
+                            </m:ctrlPr>
+                          </m:accPr>
+                          <m:e>
+                            <m:sSub>
+                              <m:sSubPr>
+                                <m:ctrlPr>
+                                  <a:rPr lang="fr-FR" sz="1200" b="0" i="1" smtClean="0">
+                                    <a:latin typeface="Cambria Math" panose="02040503050406030204" pitchFamily="18" charset="0"/>
+                                  </a:rPr>
+                                </m:ctrlPr>
+                              </m:sSubPr>
+                              <m:e>
+                                <m:r>
+                                  <a:rPr lang="fr-FR" sz="1200" i="1" smtClean="0">
+                                    <a:latin typeface="Cambria Math" panose="02040503050406030204" pitchFamily="18" charset="0"/>
+                                  </a:rPr>
+                                  <m:t>𝑦</m:t>
+                                </m:r>
+                              </m:e>
+                              <m:sub>
+                                <m:r>
+                                  <a:rPr lang="fr-FR" sz="1200" b="0" i="1" smtClean="0">
+                                    <a:latin typeface="Cambria Math" panose="02040503050406030204" pitchFamily="18" charset="0"/>
+                                  </a:rPr>
+                                  <m:t>1</m:t>
+                                </m:r>
+                              </m:sub>
+                            </m:sSub>
+                          </m:e>
+                        </m:acc>
+                      </m:oMath>
+                    </m:oMathPara>
+                  </a14:m>
+                  <a:endParaRPr lang="fr-FR" sz="1200" dirty="0"/>
+                </a:p>
+              </p:txBody>
+            </p:sp>
+          </mc:Choice>
+          <mc:Fallback xmlns="">
+            <p:sp>
+              <p:nvSpPr>
+                <p:cNvPr id="14" name="ZoneTexte 13">
+                  <a:extLst>
+                    <a:ext uri="{FF2B5EF4-FFF2-40B4-BE49-F238E27FC236}">
+                      <a16:creationId xmlns:a16="http://schemas.microsoft.com/office/drawing/2014/main" id="{B14415B5-2458-9378-29FB-C9245F150D42}"/>
+                    </a:ext>
+                  </a:extLst>
+                </p:cNvPr>
+                <p:cNvSpPr txBox="1">
+                  <a:spLocks noRot="1" noChangeAspect="1" noMove="1" noResize="1" noEditPoints="1" noAdjustHandles="1" noChangeArrowheads="1" noChangeShapeType="1" noTextEdit="1"/>
+                </p:cNvSpPr>
+                <p:nvPr/>
+              </p:nvSpPr>
+              <p:spPr>
+                <a:xfrm>
+                  <a:off x="6595181" y="4010755"/>
+                  <a:ext cx="370358" cy="276999"/>
+                </a:xfrm>
+                <a:prstGeom prst="rect">
+                  <a:avLst/>
+                </a:prstGeom>
+                <a:blipFill>
+                  <a:blip r:embed="rId33"/>
+                  <a:stretch>
+                    <a:fillRect/>
+                  </a:stretch>
+                </a:blipFill>
+              </p:spPr>
+              <p:txBody>
+                <a:bodyPr/>
+                <a:lstStyle/>
+                <a:p>
+                  <a:r>
+                    <a:rPr lang="fr-FR">
+                      <a:noFill/>
+                    </a:rPr>
+                    <a:t> </a:t>
+                  </a:r>
+                </a:p>
+              </p:txBody>
+            </p:sp>
+          </mc:Fallback>
+        </mc:AlternateContent>
+        <mc:AlternateContent xmlns:mc="http://schemas.openxmlformats.org/markup-compatibility/2006" xmlns:a14="http://schemas.microsoft.com/office/drawing/2010/main">
+          <mc:Choice Requires="a14">
+            <p:sp>
+              <p:nvSpPr>
+                <p:cNvPr id="16" name="ZoneTexte 15">
+                  <a:extLst>
+                    <a:ext uri="{FF2B5EF4-FFF2-40B4-BE49-F238E27FC236}">
+                      <a16:creationId xmlns:a16="http://schemas.microsoft.com/office/drawing/2014/main" id="{E58A37D5-C0E8-13B9-581B-43351546DBE7}"/>
+                    </a:ext>
+                  </a:extLst>
+                </p:cNvPr>
+                <p:cNvSpPr txBox="1"/>
+                <p:nvPr/>
+              </p:nvSpPr>
+              <p:spPr>
+                <a:xfrm>
+                  <a:off x="5733941" y="3152282"/>
+                  <a:ext cx="358431" cy="276999"/>
+                </a:xfrm>
+                <a:prstGeom prst="rect">
+                  <a:avLst/>
+                </a:prstGeom>
+                <a:noFill/>
+              </p:spPr>
+              <p:txBody>
+                <a:bodyPr wrap="none" rtlCol="0">
+                  <a:spAutoFit/>
+                </a:bodyPr>
+                <a:lstStyle/>
+                <a:p>
+                  <a:pPr/>
+                  <a14:m>
+                    <m:oMathPara xmlns:m="http://schemas.openxmlformats.org/officeDocument/2006/math">
+                      <m:oMathParaPr>
+                        <m:jc m:val="centerGroup"/>
+                      </m:oMathParaPr>
+                      <m:oMath xmlns:m="http://schemas.openxmlformats.org/officeDocument/2006/math">
+                        <m:acc>
+                          <m:accPr>
+                            <m:chr m:val="⃗"/>
+                            <m:ctrlPr>
+                              <a:rPr lang="fr-FR" sz="1200" b="0" i="1" smtClean="0">
+                                <a:latin typeface="Cambria Math" panose="02040503050406030204" pitchFamily="18" charset="0"/>
+                              </a:rPr>
+                            </m:ctrlPr>
+                          </m:accPr>
+                          <m:e>
+                            <m:sSub>
+                              <m:sSubPr>
+                                <m:ctrlPr>
+                                  <a:rPr lang="fr-FR" sz="1200" b="0" i="1" smtClean="0">
+                                    <a:latin typeface="Cambria Math" panose="02040503050406030204" pitchFamily="18" charset="0"/>
+                                  </a:rPr>
+                                </m:ctrlPr>
+                              </m:sSubPr>
+                              <m:e>
+                                <m:r>
+                                  <a:rPr lang="fr-FR" sz="1200" i="1" smtClean="0">
+                                    <a:latin typeface="Cambria Math" panose="02040503050406030204" pitchFamily="18" charset="0"/>
+                                  </a:rPr>
+                                  <m:t>𝑧</m:t>
+                                </m:r>
+                              </m:e>
+                              <m:sub>
+                                <m:r>
+                                  <a:rPr lang="fr-FR" sz="1200" b="0" i="1" smtClean="0">
+                                    <a:latin typeface="Cambria Math" panose="02040503050406030204" pitchFamily="18" charset="0"/>
+                                  </a:rPr>
+                                  <m:t>1</m:t>
+                                </m:r>
+                              </m:sub>
+                            </m:sSub>
+                          </m:e>
+                        </m:acc>
+                      </m:oMath>
+                    </m:oMathPara>
+                  </a14:m>
+                  <a:endParaRPr lang="fr-FR" sz="1200" dirty="0"/>
+                </a:p>
+              </p:txBody>
+            </p:sp>
+          </mc:Choice>
+          <mc:Fallback xmlns="">
+            <p:sp>
+              <p:nvSpPr>
+                <p:cNvPr id="16" name="ZoneTexte 15">
+                  <a:extLst>
+                    <a:ext uri="{FF2B5EF4-FFF2-40B4-BE49-F238E27FC236}">
+                      <a16:creationId xmlns:a16="http://schemas.microsoft.com/office/drawing/2014/main" id="{E58A37D5-C0E8-13B9-581B-43351546DBE7}"/>
+                    </a:ext>
+                  </a:extLst>
+                </p:cNvPr>
+                <p:cNvSpPr txBox="1">
+                  <a:spLocks noRot="1" noChangeAspect="1" noMove="1" noResize="1" noEditPoints="1" noAdjustHandles="1" noChangeArrowheads="1" noChangeShapeType="1" noTextEdit="1"/>
+                </p:cNvSpPr>
+                <p:nvPr/>
+              </p:nvSpPr>
+              <p:spPr>
+                <a:xfrm>
+                  <a:off x="5733941" y="3152282"/>
+                  <a:ext cx="358431" cy="276999"/>
+                </a:xfrm>
+                <a:prstGeom prst="rect">
+                  <a:avLst/>
+                </a:prstGeom>
+                <a:blipFill>
+                  <a:blip r:embed="rId34"/>
+                  <a:stretch>
+                    <a:fillRect/>
+                  </a:stretch>
+                </a:blipFill>
+              </p:spPr>
+              <p:txBody>
+                <a:bodyPr/>
+                <a:lstStyle/>
+                <a:p>
+                  <a:r>
+                    <a:rPr lang="fr-FR">
+                      <a:noFill/>
+                    </a:rPr>
+                    <a:t> </a:t>
+                  </a:r>
+                </a:p>
+              </p:txBody>
+            </p:sp>
+          </mc:Fallback>
+        </mc:AlternateContent>
+        <mc:AlternateContent xmlns:mc="http://schemas.openxmlformats.org/markup-compatibility/2006" xmlns:a14="http://schemas.microsoft.com/office/drawing/2010/main">
+          <mc:Choice Requires="a14">
+            <p:sp>
+              <p:nvSpPr>
+                <p:cNvPr id="17" name="ZoneTexte 16">
+                  <a:extLst>
+                    <a:ext uri="{FF2B5EF4-FFF2-40B4-BE49-F238E27FC236}">
+                      <a16:creationId xmlns:a16="http://schemas.microsoft.com/office/drawing/2014/main" id="{6B278FC2-3EF8-12BD-1AF3-1217D7AEBEFC}"/>
+                    </a:ext>
+                  </a:extLst>
+                </p:cNvPr>
+                <p:cNvSpPr txBox="1"/>
+                <p:nvPr/>
+              </p:nvSpPr>
+              <p:spPr>
+                <a:xfrm>
+                  <a:off x="6435685" y="3548045"/>
+                  <a:ext cx="373949" cy="276999"/>
+                </a:xfrm>
+                <a:prstGeom prst="rect">
+                  <a:avLst/>
+                </a:prstGeom>
+                <a:noFill/>
+              </p:spPr>
+              <p:txBody>
+                <a:bodyPr wrap="none" rtlCol="0">
+                  <a:spAutoFit/>
+                </a:bodyPr>
+                <a:lstStyle/>
+                <a:p>
+                  <a:pPr/>
+                  <a14:m>
+                    <m:oMathPara xmlns:m="http://schemas.openxmlformats.org/officeDocument/2006/math">
+                      <m:oMathParaPr>
+                        <m:jc m:val="centerGroup"/>
+                      </m:oMathParaPr>
+                      <m:oMath xmlns:m="http://schemas.openxmlformats.org/officeDocument/2006/math">
+                        <m:acc>
+                          <m:accPr>
+                            <m:chr m:val="⃗"/>
+                            <m:ctrlPr>
+                              <a:rPr lang="fr-FR" sz="1200" b="0" i="1" smtClean="0">
+                                <a:latin typeface="Cambria Math" panose="02040503050406030204" pitchFamily="18" charset="0"/>
+                              </a:rPr>
+                            </m:ctrlPr>
+                          </m:accPr>
+                          <m:e>
+                            <m:sSub>
+                              <m:sSubPr>
+                                <m:ctrlPr>
+                                  <a:rPr lang="fr-FR" sz="1200" b="0" i="1" smtClean="0">
+                                    <a:latin typeface="Cambria Math" panose="02040503050406030204" pitchFamily="18" charset="0"/>
+                                  </a:rPr>
+                                </m:ctrlPr>
+                              </m:sSubPr>
+                              <m:e>
+                                <m:r>
+                                  <a:rPr lang="fr-FR" sz="1200" i="1" smtClean="0">
+                                    <a:latin typeface="Cambria Math" panose="02040503050406030204" pitchFamily="18" charset="0"/>
+                                  </a:rPr>
+                                  <m:t>𝑦</m:t>
+                                </m:r>
+                              </m:e>
+                              <m:sub>
+                                <m:r>
+                                  <a:rPr lang="fr-FR" sz="1200" b="0" i="1" smtClean="0">
+                                    <a:latin typeface="Cambria Math" panose="02040503050406030204" pitchFamily="18" charset="0"/>
+                                  </a:rPr>
+                                  <m:t>2</m:t>
+                                </m:r>
+                              </m:sub>
+                            </m:sSub>
+                          </m:e>
+                        </m:acc>
+                      </m:oMath>
+                    </m:oMathPara>
+                  </a14:m>
+                  <a:endParaRPr lang="fr-FR" sz="1200" dirty="0"/>
+                </a:p>
+              </p:txBody>
+            </p:sp>
+          </mc:Choice>
+          <mc:Fallback xmlns="">
+            <p:sp>
+              <p:nvSpPr>
+                <p:cNvPr id="17" name="ZoneTexte 16">
+                  <a:extLst>
+                    <a:ext uri="{FF2B5EF4-FFF2-40B4-BE49-F238E27FC236}">
+                      <a16:creationId xmlns:a16="http://schemas.microsoft.com/office/drawing/2014/main" id="{6B278FC2-3EF8-12BD-1AF3-1217D7AEBEFC}"/>
+                    </a:ext>
+                  </a:extLst>
+                </p:cNvPr>
+                <p:cNvSpPr txBox="1">
+                  <a:spLocks noRot="1" noChangeAspect="1" noMove="1" noResize="1" noEditPoints="1" noAdjustHandles="1" noChangeArrowheads="1" noChangeShapeType="1" noTextEdit="1"/>
+                </p:cNvSpPr>
+                <p:nvPr/>
+              </p:nvSpPr>
+              <p:spPr>
+                <a:xfrm>
+                  <a:off x="6435685" y="3548045"/>
+                  <a:ext cx="373949" cy="276999"/>
+                </a:xfrm>
+                <a:prstGeom prst="rect">
+                  <a:avLst/>
+                </a:prstGeom>
+                <a:blipFill>
+                  <a:blip r:embed="rId35"/>
+                  <a:stretch>
+                    <a:fillRect/>
+                  </a:stretch>
+                </a:blipFill>
+              </p:spPr>
+              <p:txBody>
+                <a:bodyPr/>
+                <a:lstStyle/>
+                <a:p>
+                  <a:r>
+                    <a:rPr lang="fr-FR">
+                      <a:noFill/>
+                    </a:rPr>
+                    <a:t> </a:t>
+                  </a:r>
+                </a:p>
+              </p:txBody>
+            </p:sp>
+          </mc:Fallback>
+        </mc:AlternateContent>
+        <mc:AlternateContent xmlns:mc="http://schemas.openxmlformats.org/markup-compatibility/2006" xmlns:a14="http://schemas.microsoft.com/office/drawing/2010/main">
+          <mc:Choice Requires="a14">
+            <p:sp>
+              <p:nvSpPr>
+                <p:cNvPr id="19" name="ZoneTexte 18">
+                  <a:extLst>
+                    <a:ext uri="{FF2B5EF4-FFF2-40B4-BE49-F238E27FC236}">
+                      <a16:creationId xmlns:a16="http://schemas.microsoft.com/office/drawing/2014/main" id="{32649DB7-9C1E-492F-C7DF-9E9E63503801}"/>
+                    </a:ext>
+                  </a:extLst>
+                </p:cNvPr>
+                <p:cNvSpPr txBox="1"/>
+                <p:nvPr/>
+              </p:nvSpPr>
+              <p:spPr>
+                <a:xfrm>
+                  <a:off x="5262233" y="3356339"/>
+                  <a:ext cx="362022" cy="276999"/>
+                </a:xfrm>
+                <a:prstGeom prst="rect">
+                  <a:avLst/>
+                </a:prstGeom>
+                <a:noFill/>
+              </p:spPr>
+              <p:txBody>
+                <a:bodyPr wrap="none" rtlCol="0">
+                  <a:spAutoFit/>
+                </a:bodyPr>
+                <a:lstStyle/>
+                <a:p>
+                  <a:pPr/>
+                  <a14:m>
+                    <m:oMathPara xmlns:m="http://schemas.openxmlformats.org/officeDocument/2006/math">
+                      <m:oMathParaPr>
+                        <m:jc m:val="centerGroup"/>
+                      </m:oMathParaPr>
+                      <m:oMath xmlns:m="http://schemas.openxmlformats.org/officeDocument/2006/math">
+                        <m:acc>
+                          <m:accPr>
+                            <m:chr m:val="⃗"/>
+                            <m:ctrlPr>
+                              <a:rPr lang="fr-FR" sz="1200" b="0" i="1" smtClean="0">
+                                <a:latin typeface="Cambria Math" panose="02040503050406030204" pitchFamily="18" charset="0"/>
+                              </a:rPr>
+                            </m:ctrlPr>
+                          </m:accPr>
+                          <m:e>
+                            <m:sSub>
+                              <m:sSubPr>
+                                <m:ctrlPr>
+                                  <a:rPr lang="fr-FR" sz="1200" i="1">
+                                    <a:latin typeface="Cambria Math" panose="02040503050406030204" pitchFamily="18" charset="0"/>
+                                  </a:rPr>
+                                </m:ctrlPr>
+                              </m:sSubPr>
+                              <m:e>
+                                <m:r>
+                                  <a:rPr lang="fr-FR" sz="1200" b="0" i="1" smtClean="0">
+                                    <a:latin typeface="Cambria Math" panose="02040503050406030204" pitchFamily="18" charset="0"/>
+                                  </a:rPr>
+                                  <m:t>𝑧</m:t>
+                                </m:r>
+                              </m:e>
+                              <m:sub>
+                                <m:r>
+                                  <a:rPr lang="fr-FR" sz="1200" b="0" i="1" smtClean="0">
+                                    <a:latin typeface="Cambria Math" panose="02040503050406030204" pitchFamily="18" charset="0"/>
+                                  </a:rPr>
+                                  <m:t>2</m:t>
+                                </m:r>
+                              </m:sub>
+                            </m:sSub>
+                          </m:e>
+                        </m:acc>
+                      </m:oMath>
+                    </m:oMathPara>
+                  </a14:m>
+                  <a:endParaRPr lang="fr-FR" sz="1200" dirty="0"/>
+                </a:p>
+              </p:txBody>
+            </p:sp>
+          </mc:Choice>
+          <mc:Fallback xmlns="">
+            <p:sp>
+              <p:nvSpPr>
+                <p:cNvPr id="19" name="ZoneTexte 18">
+                  <a:extLst>
+                    <a:ext uri="{FF2B5EF4-FFF2-40B4-BE49-F238E27FC236}">
+                      <a16:creationId xmlns:a16="http://schemas.microsoft.com/office/drawing/2014/main" id="{32649DB7-9C1E-492F-C7DF-9E9E63503801}"/>
+                    </a:ext>
+                  </a:extLst>
+                </p:cNvPr>
+                <p:cNvSpPr txBox="1">
+                  <a:spLocks noRot="1" noChangeAspect="1" noMove="1" noResize="1" noEditPoints="1" noAdjustHandles="1" noChangeArrowheads="1" noChangeShapeType="1" noTextEdit="1"/>
+                </p:cNvSpPr>
+                <p:nvPr/>
+              </p:nvSpPr>
+              <p:spPr>
+                <a:xfrm>
+                  <a:off x="5262233" y="3356339"/>
+                  <a:ext cx="362022" cy="276999"/>
+                </a:xfrm>
+                <a:prstGeom prst="rect">
+                  <a:avLst/>
+                </a:prstGeom>
+                <a:blipFill>
+                  <a:blip r:embed="rId36"/>
+                  <a:stretch>
+                    <a:fillRect/>
+                  </a:stretch>
+                </a:blipFill>
+              </p:spPr>
+              <p:txBody>
+                <a:bodyPr/>
+                <a:lstStyle/>
+                <a:p>
+                  <a:r>
+                    <a:rPr lang="fr-FR">
+                      <a:noFill/>
+                    </a:rPr>
+                    <a:t> </a:t>
+                  </a:r>
+                </a:p>
+              </p:txBody>
+            </p:sp>
+          </mc:Fallback>
+        </mc:AlternateContent>
+        <mc:AlternateContent xmlns:mc="http://schemas.openxmlformats.org/markup-compatibility/2006" xmlns:a14="http://schemas.microsoft.com/office/drawing/2010/main">
+          <mc:Choice Requires="a14">
+            <p:sp>
+              <p:nvSpPr>
+                <p:cNvPr id="20" name="ZoneTexte 19">
+                  <a:extLst>
+                    <a:ext uri="{FF2B5EF4-FFF2-40B4-BE49-F238E27FC236}">
+                      <a16:creationId xmlns:a16="http://schemas.microsoft.com/office/drawing/2014/main" id="{9D6DB790-EBC8-1493-E81D-1435CDEB93DA}"/>
+                    </a:ext>
+                  </a:extLst>
+                </p:cNvPr>
+                <p:cNvSpPr txBox="1"/>
+                <p:nvPr/>
+              </p:nvSpPr>
+              <p:spPr>
+                <a:xfrm>
+                  <a:off x="6531285" y="3829601"/>
+                  <a:ext cx="304186" cy="276999"/>
+                </a:xfrm>
+                <a:prstGeom prst="rect">
+                  <a:avLst/>
+                </a:prstGeom>
+                <a:noFill/>
+              </p:spPr>
+              <p:txBody>
+                <a:bodyPr wrap="none" rtlCol="0">
+                  <a:spAutoFit/>
+                </a:bodyPr>
+                <a:lstStyle/>
+                <a:p>
+                  <a:pPr/>
+                  <a14:m>
+                    <m:oMathPara xmlns:m="http://schemas.openxmlformats.org/officeDocument/2006/math">
+                      <m:oMathParaPr>
+                        <m:jc m:val="centerGroup"/>
+                      </m:oMathParaPr>
+                      <m:oMath xmlns:m="http://schemas.openxmlformats.org/officeDocument/2006/math">
+                        <m:r>
+                          <a:rPr lang="fr-FR" sz="1200" b="0" i="1" smtClean="0">
+                            <a:latin typeface="Cambria Math" panose="02040503050406030204" pitchFamily="18" charset="0"/>
+                          </a:rPr>
+                          <m:t>𝛾</m:t>
+                        </m:r>
+                      </m:oMath>
+                    </m:oMathPara>
+                  </a14:m>
+                  <a:endParaRPr lang="fr-FR" sz="1200" dirty="0"/>
+                </a:p>
+              </p:txBody>
+            </p:sp>
+          </mc:Choice>
+          <mc:Fallback xmlns="">
+            <p:sp>
+              <p:nvSpPr>
+                <p:cNvPr id="20" name="ZoneTexte 19">
+                  <a:extLst>
+                    <a:ext uri="{FF2B5EF4-FFF2-40B4-BE49-F238E27FC236}">
+                      <a16:creationId xmlns:a16="http://schemas.microsoft.com/office/drawing/2014/main" id="{9D6DB790-EBC8-1493-E81D-1435CDEB93DA}"/>
+                    </a:ext>
+                  </a:extLst>
+                </p:cNvPr>
+                <p:cNvSpPr txBox="1">
+                  <a:spLocks noRot="1" noChangeAspect="1" noMove="1" noResize="1" noEditPoints="1" noAdjustHandles="1" noChangeArrowheads="1" noChangeShapeType="1" noTextEdit="1"/>
+                </p:cNvSpPr>
+                <p:nvPr/>
+              </p:nvSpPr>
+              <p:spPr>
+                <a:xfrm>
+                  <a:off x="6531285" y="3829601"/>
+                  <a:ext cx="304186" cy="276999"/>
+                </a:xfrm>
+                <a:prstGeom prst="rect">
+                  <a:avLst/>
+                </a:prstGeom>
+                <a:blipFill>
+                  <a:blip r:embed="rId37"/>
+                  <a:stretch>
+                    <a:fillRect/>
+                  </a:stretch>
+                </a:blipFill>
+              </p:spPr>
+              <p:txBody>
+                <a:bodyPr/>
+                <a:lstStyle/>
+                <a:p>
+                  <a:r>
+                    <a:rPr lang="fr-FR">
+                      <a:noFill/>
+                    </a:rPr>
+                    <a:t> </a:t>
+                  </a:r>
+                </a:p>
+              </p:txBody>
+            </p:sp>
+          </mc:Fallback>
+        </mc:AlternateContent>
+        <mc:AlternateContent xmlns:mc="http://schemas.openxmlformats.org/markup-compatibility/2006" xmlns:a14="http://schemas.microsoft.com/office/drawing/2010/main">
+          <mc:Choice Requires="a14">
+            <p:sp>
+              <p:nvSpPr>
+                <p:cNvPr id="21" name="ZoneTexte 20">
+                  <a:extLst>
+                    <a:ext uri="{FF2B5EF4-FFF2-40B4-BE49-F238E27FC236}">
+                      <a16:creationId xmlns:a16="http://schemas.microsoft.com/office/drawing/2014/main" id="{D0591B87-F4E2-906E-B7E0-6D1408D3F0C3}"/>
+                    </a:ext>
+                  </a:extLst>
+                </p:cNvPr>
+                <p:cNvSpPr txBox="1"/>
+                <p:nvPr/>
+              </p:nvSpPr>
+              <p:spPr>
+                <a:xfrm>
+                  <a:off x="5759440" y="4256870"/>
+                  <a:ext cx="368755" cy="276999"/>
+                </a:xfrm>
+                <a:prstGeom prst="rect">
+                  <a:avLst/>
+                </a:prstGeom>
+                <a:noFill/>
+              </p:spPr>
+              <p:txBody>
+                <a:bodyPr wrap="none" rtlCol="0">
+                  <a:spAutoFit/>
+                </a:bodyPr>
+                <a:lstStyle/>
+                <a:p>
+                  <a:pPr/>
+                  <a14:m>
+                    <m:oMathPara xmlns:m="http://schemas.openxmlformats.org/officeDocument/2006/math">
+                      <m:oMathParaPr>
+                        <m:jc m:val="centerGroup"/>
+                      </m:oMathParaPr>
+                      <m:oMath xmlns:m="http://schemas.openxmlformats.org/officeDocument/2006/math">
+                        <m:acc>
+                          <m:accPr>
+                            <m:chr m:val="⃗"/>
+                            <m:ctrlPr>
+                              <a:rPr lang="fr-FR" sz="1200" b="0" i="1" smtClean="0">
+                                <a:latin typeface="Cambria Math" panose="02040503050406030204" pitchFamily="18" charset="0"/>
+                              </a:rPr>
+                            </m:ctrlPr>
+                          </m:accPr>
+                          <m:e>
+                            <m:sSub>
+                              <m:sSubPr>
+                                <m:ctrlPr>
+                                  <a:rPr lang="fr-FR" sz="1200" b="0" i="1" smtClean="0">
+                                    <a:latin typeface="Cambria Math" panose="02040503050406030204" pitchFamily="18" charset="0"/>
+                                  </a:rPr>
+                                </m:ctrlPr>
+                              </m:sSubPr>
+                              <m:e>
+                                <m:r>
+                                  <a:rPr lang="fr-FR" sz="1200" i="1" smtClean="0">
+                                    <a:latin typeface="Cambria Math" panose="02040503050406030204" pitchFamily="18" charset="0"/>
+                                  </a:rPr>
+                                  <m:t>𝑥</m:t>
+                                </m:r>
+                              </m:e>
+                              <m:sub>
+                                <m:r>
+                                  <a:rPr lang="fr-FR" sz="1200" b="0" i="1" smtClean="0">
+                                    <a:latin typeface="Cambria Math" panose="02040503050406030204" pitchFamily="18" charset="0"/>
+                                  </a:rPr>
+                                  <m:t>1</m:t>
+                                </m:r>
+                              </m:sub>
+                            </m:sSub>
+                          </m:e>
+                        </m:acc>
+                      </m:oMath>
+                    </m:oMathPara>
+                  </a14:m>
+                  <a:endParaRPr lang="fr-FR" sz="1200" dirty="0"/>
+                </a:p>
+              </p:txBody>
+            </p:sp>
+          </mc:Choice>
+          <mc:Fallback xmlns="">
+            <p:sp>
+              <p:nvSpPr>
+                <p:cNvPr id="21" name="ZoneTexte 20">
+                  <a:extLst>
+                    <a:ext uri="{FF2B5EF4-FFF2-40B4-BE49-F238E27FC236}">
+                      <a16:creationId xmlns:a16="http://schemas.microsoft.com/office/drawing/2014/main" id="{D0591B87-F4E2-906E-B7E0-6D1408D3F0C3}"/>
+                    </a:ext>
+                  </a:extLst>
+                </p:cNvPr>
+                <p:cNvSpPr txBox="1">
+                  <a:spLocks noRot="1" noChangeAspect="1" noMove="1" noResize="1" noEditPoints="1" noAdjustHandles="1" noChangeArrowheads="1" noChangeShapeType="1" noTextEdit="1"/>
+                </p:cNvSpPr>
+                <p:nvPr/>
+              </p:nvSpPr>
+              <p:spPr>
+                <a:xfrm>
+                  <a:off x="5759440" y="4256870"/>
+                  <a:ext cx="368755" cy="276999"/>
+                </a:xfrm>
+                <a:prstGeom prst="rect">
+                  <a:avLst/>
+                </a:prstGeom>
+                <a:blipFill>
+                  <a:blip r:embed="rId38"/>
+                  <a:stretch>
+                    <a:fillRect/>
+                  </a:stretch>
+                </a:blipFill>
+              </p:spPr>
+              <p:txBody>
+                <a:bodyPr/>
+                <a:lstStyle/>
+                <a:p>
+                  <a:r>
+                    <a:rPr lang="fr-FR">
+                      <a:noFill/>
+                    </a:rPr>
+                    <a:t> </a:t>
+                  </a:r>
+                </a:p>
+              </p:txBody>
+            </p:sp>
+          </mc:Fallback>
+        </mc:AlternateContent>
+        <p:sp>
+          <p:nvSpPr>
+            <p:cNvPr id="22" name="Ellipse 21">
+              <a:extLst>
+                <a:ext uri="{FF2B5EF4-FFF2-40B4-BE49-F238E27FC236}">
+                  <a16:creationId xmlns:a16="http://schemas.microsoft.com/office/drawing/2014/main" id="{486AF742-3A6B-259D-9E7D-180172B3DA67}"/>
+                </a:ext>
+              </a:extLst>
+            </p:cNvPr>
+            <p:cNvSpPr/>
+            <p:nvPr/>
+          </p:nvSpPr>
+          <p:spPr>
+            <a:xfrm>
+              <a:off x="5853398" y="4069873"/>
+              <a:ext cx="158762" cy="158762"/>
+            </a:xfrm>
+            <a:prstGeom prst="ellipse">
+              <a:avLst/>
+            </a:prstGeom>
+            <a:solidFill>
+              <a:schemeClr val="bg1"/>
+            </a:solidFill>
+            <a:ln w="19050">
+              <a:solidFill>
+                <a:schemeClr val="tx1"/>
+              </a:solidFill>
+            </a:ln>
+          </p:spPr>
+          <p:style>
+            <a:lnRef idx="2">
+              <a:schemeClr val="accent1">
+                <a:shade val="50000"/>
+              </a:schemeClr>
+            </a:lnRef>
+            <a:fillRef idx="1">
+              <a:schemeClr val="accent1"/>
+            </a:fillRef>
+            <a:effectRef idx="0">
+              <a:schemeClr val="accent1"/>
+            </a:effectRef>
+            <a:fontRef idx="minor">
+              <a:schemeClr val="lt1"/>
+            </a:fontRef>
+          </p:style>
+          <p:txBody>
+            <a:bodyPr rtlCol="0" anchor="ctr"/>
+            <a:lstStyle/>
+            <a:p>
+              <a:pPr algn="ctr"/>
+              <a:endParaRPr lang="fr-FR"/>
+            </a:p>
+          </p:txBody>
+        </p:sp>
+        <p:sp>
+          <p:nvSpPr>
+            <p:cNvPr id="25" name="Ellipse 24">
+              <a:extLst>
+                <a:ext uri="{FF2B5EF4-FFF2-40B4-BE49-F238E27FC236}">
+                  <a16:creationId xmlns:a16="http://schemas.microsoft.com/office/drawing/2014/main" id="{7A865978-F220-B5EA-7C40-C640820EEBD3}"/>
+                </a:ext>
+              </a:extLst>
+            </p:cNvPr>
+            <p:cNvSpPr/>
+            <p:nvPr/>
+          </p:nvSpPr>
+          <p:spPr>
+            <a:xfrm flipV="1">
+              <a:off x="5905779" y="4122254"/>
+              <a:ext cx="54000" cy="54000"/>
+            </a:xfrm>
+            <a:prstGeom prst="ellipse">
+              <a:avLst/>
+            </a:prstGeom>
+            <a:solidFill>
+              <a:schemeClr val="tx1"/>
+            </a:solidFill>
+            <a:ln w="19050">
+              <a:solidFill>
+                <a:schemeClr val="tx1"/>
+              </a:solidFill>
+            </a:ln>
+          </p:spPr>
+          <p:style>
+            <a:lnRef idx="2">
+              <a:schemeClr val="accent1">
+                <a:shade val="50000"/>
+              </a:schemeClr>
+            </a:lnRef>
+            <a:fillRef idx="1">
+              <a:schemeClr val="accent1"/>
+            </a:fillRef>
+            <a:effectRef idx="0">
+              <a:schemeClr val="accent1"/>
+            </a:effectRef>
+            <a:fontRef idx="minor">
+              <a:schemeClr val="lt1"/>
+            </a:fontRef>
+          </p:style>
+          <p:txBody>
+            <a:bodyPr rtlCol="0" anchor="ctr"/>
+            <a:lstStyle/>
+            <a:p>
+              <a:pPr algn="ctr"/>
+              <a:endParaRPr lang="fr-FR"/>
+            </a:p>
+          </p:txBody>
+        </p:sp>
+      </p:grpSp>
     </p:spTree>
     <p:extLst>
       <p:ext uri="{BB962C8B-B14F-4D97-AF65-F5344CB8AC3E}">
@@ -9174,13 +10323,6 @@
   <p:clrMapOvr>
     <a:masterClrMapping/>
   </p:clrMapOvr>
-  <p:timing>
-    <p:tnLst>
-      <p:par>
-        <p:cTn id="1" dur="indefinite" restart="never" nodeType="tmRoot"/>
-      </p:par>
-    </p:tnLst>
-  </p:timing>
 </p:sld>
 </file>
 
@@ -9374,13 +10516,6 @@
   <p:clrMapOvr>
     <a:masterClrMapping/>
   </p:clrMapOvr>
-  <p:timing>
-    <p:tnLst>
-      <p:par>
-        <p:cTn id="1" dur="indefinite" restart="never" nodeType="tmRoot"/>
-      </p:par>
-    </p:tnLst>
-  </p:timing>
 </p:sld>
 </file>
 
@@ -9401,6 +10536,60 @@
           <a:chExt cx="0" cy="0"/>
         </a:xfrm>
       </p:grpSpPr>
+      <p:sp>
+        <p:nvSpPr>
+          <p:cNvPr id="2" name="Éclair 1">
+            <a:extLst>
+              <a:ext uri="{FF2B5EF4-FFF2-40B4-BE49-F238E27FC236}">
+                <a16:creationId xmlns:a16="http://schemas.microsoft.com/office/drawing/2014/main" id="{CD89BDC1-E13A-01B9-5C96-D0CBD31C8DBB}"/>
+              </a:ext>
+            </a:extLst>
+          </p:cNvPr>
+          <p:cNvSpPr/>
+          <p:nvPr/>
+        </p:nvSpPr>
+        <p:spPr>
+          <a:xfrm rot="643800">
+            <a:off x="1089139" y="3298959"/>
+            <a:ext cx="322911" cy="548372"/>
+          </a:xfrm>
+          <a:prstGeom prst="lightningBolt">
+            <a:avLst/>
+          </a:prstGeom>
+          <a:solidFill>
+            <a:srgbClr val="FFC000"/>
+          </a:solidFill>
+          <a:ln w="19050">
+            <a:solidFill>
+              <a:srgbClr val="FF0000"/>
+            </a:solidFill>
+          </a:ln>
+        </p:spPr>
+        <p:style>
+          <a:lnRef idx="2">
+            <a:schemeClr val="accent1">
+              <a:shade val="50000"/>
+            </a:schemeClr>
+          </a:lnRef>
+          <a:fillRef idx="1">
+            <a:schemeClr val="accent1"/>
+          </a:fillRef>
+          <a:effectRef idx="0">
+            <a:schemeClr val="accent1"/>
+          </a:effectRef>
+          <a:fontRef idx="minor">
+            <a:schemeClr val="lt1"/>
+          </a:fontRef>
+        </p:style>
+        <p:txBody>
+          <a:bodyPr rtlCol="0" anchor="ctr"/>
+          <a:lstStyle/>
+          <a:p>
+            <a:pPr algn="ctr"/>
+            <a:endParaRPr lang="fr-FR"/>
+          </a:p>
+        </p:txBody>
+      </p:sp>
       <p:sp>
         <p:nvSpPr>
           <p:cNvPr id="6" name="Ellipse 5"/>
@@ -9501,18 +10690,13 @@
           <a:p>
             <a:pPr algn="ctr"/>
             <a:r>
-              <a:rPr lang="fr-FR" sz="1400" dirty="0" smtClean="0">
+              <a:rPr lang="fr-FR" sz="1400" dirty="0">
                 <a:solidFill>
                   <a:srgbClr val="0070C0"/>
                 </a:solidFill>
               </a:rPr>
               <a:t>2</a:t>
             </a:r>
-            <a:endParaRPr lang="fr-FR" sz="1400" dirty="0">
-              <a:solidFill>
-                <a:srgbClr val="0070C0"/>
-              </a:solidFill>
-            </a:endParaRPr>
           </a:p>
         </p:txBody>
       </p:sp>
@@ -9616,18 +10800,13 @@
           <a:p>
             <a:pPr algn="ctr"/>
             <a:r>
-              <a:rPr lang="fr-FR" sz="1400" dirty="0" smtClean="0">
+              <a:rPr lang="fr-FR" sz="1400" dirty="0">
                 <a:solidFill>
                   <a:srgbClr val="7030A0"/>
                 </a:solidFill>
               </a:rPr>
               <a:t>4</a:t>
             </a:r>
-            <a:endParaRPr lang="fr-FR" sz="1400" dirty="0">
-              <a:solidFill>
-                <a:srgbClr val="7030A0"/>
-              </a:solidFill>
-            </a:endParaRPr>
           </a:p>
         </p:txBody>
       </p:sp>
@@ -9880,18 +11059,13 @@
             <a:p>
               <a:pPr algn="ctr"/>
               <a:r>
-                <a:rPr lang="fr-FR" sz="1400" dirty="0" smtClean="0">
+                <a:rPr lang="fr-FR" sz="1400" dirty="0">
                   <a:solidFill>
                     <a:schemeClr val="tx1"/>
                   </a:solidFill>
                 </a:rPr>
                 <a:t>0</a:t>
               </a:r>
-              <a:endParaRPr lang="fr-FR" sz="1400" dirty="0">
-                <a:solidFill>
-                  <a:schemeClr val="tx1"/>
-                </a:solidFill>
-              </a:endParaRPr>
             </a:p>
           </p:txBody>
         </p:sp>
@@ -10096,8 +11270,8 @@
           </a:fontRef>
         </p:style>
       </p:cxnSp>
-      <mc:AlternateContent xmlns:mc="http://schemas.openxmlformats.org/markup-compatibility/2006">
-        <mc:Choice xmlns:a14="http://schemas.microsoft.com/office/drawing/2010/main" Requires="a14">
+      <mc:AlternateContent xmlns:mc="http://schemas.openxmlformats.org/markup-compatibility/2006" xmlns:a14="http://schemas.microsoft.com/office/drawing/2010/main">
+        <mc:Choice Requires="a14">
           <p:sp>
             <p:nvSpPr>
               <p:cNvPr id="55" name="ZoneTexte 54"/>
@@ -10122,7 +11296,7 @@
               <a:p>
                 <a:pPr algn="ctr"/>
                 <a:r>
-                  <a:rPr lang="fr-FR" sz="1200" dirty="0" smtClean="0"/>
+                  <a:rPr lang="fr-FR" sz="1200" dirty="0"/>
                   <a:t>Pivot </a:t>
                 </a:r>
                 <a14:m>
@@ -10131,7 +11305,7 @@
                       <m:dPr>
                         <m:ctrlPr>
                           <a:rPr lang="fr-FR" sz="1200" i="1" smtClean="0">
-                            <a:latin typeface="Cambria Math"/>
+                            <a:latin typeface="Cambria Math" panose="02040503050406030204" pitchFamily="18" charset="0"/>
                           </a:rPr>
                         </m:ctrlPr>
                       </m:dPr>
@@ -10153,7 +11327,7 @@
                             <m:chr m:val="⃗"/>
                             <m:ctrlPr>
                               <a:rPr lang="fr-FR" sz="1200" b="0" i="1" smtClean="0">
-                                <a:latin typeface="Cambria Math"/>
+                                <a:latin typeface="Cambria Math" panose="02040503050406030204" pitchFamily="18" charset="0"/>
                               </a:rPr>
                             </m:ctrlPr>
                           </m:accPr>
@@ -10175,7 +11349,7 @@
             </p:txBody>
           </p:sp>
         </mc:Choice>
-        <mc:Fallback>
+        <mc:Fallback xmlns="">
           <p:sp>
             <p:nvSpPr>
               <p:cNvPr id="55" name="ZoneTexte 54"/>
@@ -10214,8 +11388,8 @@
           </p:sp>
         </mc:Fallback>
       </mc:AlternateContent>
-      <mc:AlternateContent xmlns:mc="http://schemas.openxmlformats.org/markup-compatibility/2006">
-        <mc:Choice xmlns:a14="http://schemas.microsoft.com/office/drawing/2010/main" Requires="a14">
+      <mc:AlternateContent xmlns:mc="http://schemas.openxmlformats.org/markup-compatibility/2006" xmlns:a14="http://schemas.microsoft.com/office/drawing/2010/main">
+        <mc:Choice Requires="a14">
           <p:sp>
             <p:nvSpPr>
               <p:cNvPr id="56" name="ZoneTexte 55"/>
@@ -10240,7 +11414,7 @@
               <a:p>
                 <a:pPr algn="ctr"/>
                 <a:r>
-                  <a:rPr lang="fr-FR" sz="1200" dirty="0" smtClean="0"/>
+                  <a:rPr lang="fr-FR" sz="1200" dirty="0"/>
                   <a:t>Pivot </a:t>
                 </a:r>
                 <a14:m>
@@ -10249,7 +11423,7 @@
                       <m:dPr>
                         <m:ctrlPr>
                           <a:rPr lang="fr-FR" sz="1200" i="1" smtClean="0">
-                            <a:latin typeface="Cambria Math"/>
+                            <a:latin typeface="Cambria Math" panose="02040503050406030204" pitchFamily="18" charset="0"/>
                           </a:rPr>
                         </m:ctrlPr>
                       </m:dPr>
@@ -10271,7 +11445,7 @@
                             <m:chr m:val="⃗"/>
                             <m:ctrlPr>
                               <a:rPr lang="fr-FR" sz="1200" b="0" i="1" smtClean="0">
-                                <a:latin typeface="Cambria Math"/>
+                                <a:latin typeface="Cambria Math" panose="02040503050406030204" pitchFamily="18" charset="0"/>
                               </a:rPr>
                             </m:ctrlPr>
                           </m:accPr>
@@ -10280,7 +11454,7 @@
                               <m:sSubPr>
                                 <m:ctrlPr>
                                   <a:rPr lang="fr-FR" sz="1200" b="0" i="1" smtClean="0">
-                                    <a:latin typeface="Cambria Math"/>
+                                    <a:latin typeface="Cambria Math" panose="02040503050406030204" pitchFamily="18" charset="0"/>
                                   </a:rPr>
                                 </m:ctrlPr>
                               </m:sSubPr>
@@ -10312,7 +11486,7 @@
             </p:txBody>
           </p:sp>
         </mc:Choice>
-        <mc:Fallback>
+        <mc:Fallback xmlns="">
           <p:sp>
             <p:nvSpPr>
               <p:cNvPr id="56" name="ZoneTexte 55"/>
@@ -10351,8 +11525,8 @@
           </p:sp>
         </mc:Fallback>
       </mc:AlternateContent>
-      <mc:AlternateContent xmlns:mc="http://schemas.openxmlformats.org/markup-compatibility/2006">
-        <mc:Choice xmlns:a14="http://schemas.microsoft.com/office/drawing/2010/main" Requires="a14">
+      <mc:AlternateContent xmlns:mc="http://schemas.openxmlformats.org/markup-compatibility/2006" xmlns:a14="http://schemas.microsoft.com/office/drawing/2010/main">
+        <mc:Choice Requires="a14">
           <p:sp>
             <p:nvSpPr>
               <p:cNvPr id="57" name="ZoneTexte 56"/>
@@ -10377,7 +11551,7 @@
               <a:p>
                 <a:pPr algn="ctr"/>
                 <a:r>
-                  <a:rPr lang="fr-FR" sz="1200" dirty="0" smtClean="0"/>
+                  <a:rPr lang="fr-FR" sz="1200" dirty="0"/>
                   <a:t>Glissière hélicoïdale </a:t>
                 </a:r>
                 <a14:m>
@@ -10386,7 +11560,7 @@
                       <m:dPr>
                         <m:ctrlPr>
                           <a:rPr lang="fr-FR" sz="1200" i="1" smtClean="0">
-                            <a:latin typeface="Cambria Math"/>
+                            <a:latin typeface="Cambria Math" panose="02040503050406030204" pitchFamily="18" charset="0"/>
                           </a:rPr>
                         </m:ctrlPr>
                       </m:dPr>
@@ -10408,7 +11582,7 @@
                             <m:chr m:val="⃗"/>
                             <m:ctrlPr>
                               <a:rPr lang="fr-FR" sz="1200" b="0" i="1" smtClean="0">
-                                <a:latin typeface="Cambria Math"/>
+                                <a:latin typeface="Cambria Math" panose="02040503050406030204" pitchFamily="18" charset="0"/>
                               </a:rPr>
                             </m:ctrlPr>
                           </m:accPr>
@@ -10417,7 +11591,7 @@
                               <m:sSubPr>
                                 <m:ctrlPr>
                                   <a:rPr lang="fr-FR" sz="1200" b="0" i="1" smtClean="0">
-                                    <a:latin typeface="Cambria Math"/>
+                                    <a:latin typeface="Cambria Math" panose="02040503050406030204" pitchFamily="18" charset="0"/>
                                   </a:rPr>
                                 </m:ctrlPr>
                               </m:sSubPr>
@@ -10449,7 +11623,7 @@
             </p:txBody>
           </p:sp>
         </mc:Choice>
-        <mc:Fallback>
+        <mc:Fallback xmlns="">
           <p:sp>
             <p:nvSpPr>
               <p:cNvPr id="57" name="ZoneTexte 56"/>
@@ -10488,8 +11662,8 @@
           </p:sp>
         </mc:Fallback>
       </mc:AlternateContent>
-      <mc:AlternateContent xmlns:mc="http://schemas.openxmlformats.org/markup-compatibility/2006">
-        <mc:Choice xmlns:a14="http://schemas.microsoft.com/office/drawing/2010/main" Requires="a14">
+      <mc:AlternateContent xmlns:mc="http://schemas.openxmlformats.org/markup-compatibility/2006" xmlns:a14="http://schemas.microsoft.com/office/drawing/2010/main">
+        <mc:Choice Requires="a14">
           <p:sp>
             <p:nvSpPr>
               <p:cNvPr id="59" name="ZoneTexte 58"/>
@@ -10514,7 +11688,7 @@
               <a:p>
                 <a:pPr algn="ctr"/>
                 <a:r>
-                  <a:rPr lang="fr-FR" sz="1200" dirty="0" smtClean="0"/>
+                  <a:rPr lang="fr-FR" sz="1200" dirty="0"/>
                   <a:t>Pivot </a:t>
                 </a:r>
                 <a14:m>
@@ -10523,7 +11697,7 @@
                       <m:dPr>
                         <m:ctrlPr>
                           <a:rPr lang="fr-FR" sz="1200" i="1" smtClean="0">
-                            <a:latin typeface="Cambria Math"/>
+                            <a:latin typeface="Cambria Math" panose="02040503050406030204" pitchFamily="18" charset="0"/>
                           </a:rPr>
                         </m:ctrlPr>
                       </m:dPr>
@@ -10545,7 +11719,7 @@
                             <m:chr m:val="⃗"/>
                             <m:ctrlPr>
                               <a:rPr lang="fr-FR" sz="1200" b="0" i="1" smtClean="0">
-                                <a:latin typeface="Cambria Math"/>
+                                <a:latin typeface="Cambria Math" panose="02040503050406030204" pitchFamily="18" charset="0"/>
                               </a:rPr>
                             </m:ctrlPr>
                           </m:accPr>
@@ -10567,7 +11741,7 @@
             </p:txBody>
           </p:sp>
         </mc:Choice>
-        <mc:Fallback>
+        <mc:Fallback xmlns="">
           <p:sp>
             <p:nvSpPr>
               <p:cNvPr id="59" name="ZoneTexte 58"/>
@@ -10606,8 +11780,8 @@
           </p:sp>
         </mc:Fallback>
       </mc:AlternateContent>
-      <mc:AlternateContent xmlns:mc="http://schemas.openxmlformats.org/markup-compatibility/2006">
-        <mc:Choice xmlns:a14="http://schemas.microsoft.com/office/drawing/2010/main" Requires="a14">
+      <mc:AlternateContent xmlns:mc="http://schemas.openxmlformats.org/markup-compatibility/2006" xmlns:a14="http://schemas.microsoft.com/office/drawing/2010/main">
+        <mc:Choice Requires="a14">
           <p:sp>
             <p:nvSpPr>
               <p:cNvPr id="60" name="ZoneTexte 59"/>
@@ -10632,7 +11806,7 @@
               <a:p>
                 <a:pPr algn="ctr"/>
                 <a:r>
-                  <a:rPr lang="fr-FR" sz="1200" dirty="0" smtClean="0"/>
+                  <a:rPr lang="fr-FR" sz="1200" dirty="0"/>
                   <a:t>Pivot </a:t>
                 </a:r>
                 <a14:m>
@@ -10641,7 +11815,7 @@
                       <m:dPr>
                         <m:ctrlPr>
                           <a:rPr lang="fr-FR" sz="1200" i="1" smtClean="0">
-                            <a:latin typeface="Cambria Math"/>
+                            <a:latin typeface="Cambria Math" panose="02040503050406030204" pitchFamily="18" charset="0"/>
                           </a:rPr>
                         </m:ctrlPr>
                       </m:dPr>
@@ -10663,7 +11837,7 @@
                             <m:chr m:val="⃗"/>
                             <m:ctrlPr>
                               <a:rPr lang="fr-FR" sz="1200" b="0" i="1" smtClean="0">
-                                <a:latin typeface="Cambria Math"/>
+                                <a:latin typeface="Cambria Math" panose="02040503050406030204" pitchFamily="18" charset="0"/>
                               </a:rPr>
                             </m:ctrlPr>
                           </m:accPr>
@@ -10685,7 +11859,7 @@
             </p:txBody>
           </p:sp>
         </mc:Choice>
-        <mc:Fallback>
+        <mc:Fallback xmlns="">
           <p:sp>
             <p:nvSpPr>
               <p:cNvPr id="60" name="ZoneTexte 59"/>
@@ -10844,10 +12018,9 @@
           <a:p>
             <a:pPr algn="ctr"/>
             <a:r>
-              <a:rPr lang="fr-FR" sz="1200" dirty="0" smtClean="0"/>
+              <a:rPr lang="fr-FR" sz="1200" dirty="0"/>
               <a:t>Couple moteur</a:t>
             </a:r>
-            <a:endParaRPr lang="fr-FR" sz="1200" dirty="0"/>
           </a:p>
         </p:txBody>
       </p:sp>
@@ -10875,10 +12048,9 @@
           <a:p>
             <a:pPr algn="ctr"/>
             <a:r>
-              <a:rPr lang="fr-FR" sz="1200" dirty="0" smtClean="0"/>
+              <a:rPr lang="fr-FR" sz="1200" dirty="0"/>
               <a:t>Pesanteur</a:t>
             </a:r>
-            <a:endParaRPr lang="fr-FR" sz="1200" dirty="0"/>
           </a:p>
         </p:txBody>
       </p:sp>
@@ -10892,13 +12064,958 @@
   <p:clrMapOvr>
     <a:masterClrMapping/>
   </p:clrMapOvr>
-  <p:timing>
-    <p:tnLst>
-      <p:par>
-        <p:cTn id="1" dur="indefinite" restart="never" nodeType="tmRoot"/>
-      </p:par>
-    </p:tnLst>
-  </p:timing>
+</p:sld>
+</file>
+
+<file path=ppt/slides/slide4.xml><?xml version="1.0" encoding="utf-8"?>
+<p:sld xmlns:a="http://schemas.openxmlformats.org/drawingml/2006/main" xmlns:r="http://schemas.openxmlformats.org/officeDocument/2006/relationships" xmlns:p="http://schemas.openxmlformats.org/presentationml/2006/main">
+  <p:cSld>
+    <p:spTree>
+      <p:nvGrpSpPr>
+        <p:cNvPr id="1" name=""/>
+        <p:cNvGrpSpPr/>
+        <p:nvPr/>
+      </p:nvGrpSpPr>
+      <p:grpSpPr>
+        <a:xfrm>
+          <a:off x="0" y="0"/>
+          <a:ext cx="0" cy="0"/>
+          <a:chOff x="0" y="0"/>
+          <a:chExt cx="0" cy="0"/>
+        </a:xfrm>
+      </p:grpSpPr>
+      <p:sp>
+        <p:nvSpPr>
+          <p:cNvPr id="26" name="Trapèze 25">
+            <a:extLst>
+              <a:ext uri="{FF2B5EF4-FFF2-40B4-BE49-F238E27FC236}">
+                <a16:creationId xmlns:a16="http://schemas.microsoft.com/office/drawing/2014/main" id="{8ECE1FB9-E9AB-49BD-AA1F-06EB994D0A2B}"/>
+              </a:ext>
+            </a:extLst>
+          </p:cNvPr>
+          <p:cNvSpPr/>
+          <p:nvPr/>
+        </p:nvSpPr>
+        <p:spPr>
+          <a:xfrm>
+            <a:off x="4572000" y="4149080"/>
+            <a:ext cx="1872204" cy="720080"/>
+          </a:xfrm>
+          <a:prstGeom prst="trapezoid">
+            <a:avLst>
+              <a:gd name="adj" fmla="val 56334"/>
+            </a:avLst>
+          </a:prstGeom>
+          <a:solidFill>
+            <a:schemeClr val="accent6">
+              <a:lumMod val="20000"/>
+              <a:lumOff val="80000"/>
+            </a:schemeClr>
+          </a:solidFill>
+          <a:ln>
+            <a:noFill/>
+          </a:ln>
+        </p:spPr>
+        <p:style>
+          <a:lnRef idx="2">
+            <a:schemeClr val="accent1">
+              <a:shade val="50000"/>
+            </a:schemeClr>
+          </a:lnRef>
+          <a:fillRef idx="1">
+            <a:schemeClr val="accent1"/>
+          </a:fillRef>
+          <a:effectRef idx="0">
+            <a:schemeClr val="accent1"/>
+          </a:effectRef>
+          <a:fontRef idx="minor">
+            <a:schemeClr val="lt1"/>
+          </a:fontRef>
+        </p:style>
+        <p:txBody>
+          <a:bodyPr rtlCol="0" anchor="ctr"/>
+          <a:lstStyle/>
+          <a:p>
+            <a:pPr algn="ctr"/>
+            <a:endParaRPr lang="fr-FR"/>
+          </a:p>
+        </p:txBody>
+      </p:sp>
+      <p:cxnSp>
+        <p:nvCxnSpPr>
+          <p:cNvPr id="20" name="Connecteur droit avec flèche 19">
+            <a:extLst>
+              <a:ext uri="{FF2B5EF4-FFF2-40B4-BE49-F238E27FC236}">
+                <a16:creationId xmlns:a16="http://schemas.microsoft.com/office/drawing/2014/main" id="{6F327A21-50FD-6335-78D8-894BB1CCB539}"/>
+              </a:ext>
+            </a:extLst>
+          </p:cNvPr>
+          <p:cNvCxnSpPr>
+            <a:cxnSpLocks/>
+          </p:cNvCxnSpPr>
+          <p:nvPr/>
+        </p:nvCxnSpPr>
+        <p:spPr>
+          <a:xfrm>
+            <a:off x="4572000" y="4869160"/>
+            <a:ext cx="2232248" cy="0"/>
+          </a:xfrm>
+          <a:prstGeom prst="straightConnector1">
+            <a:avLst/>
+          </a:prstGeom>
+          <a:ln w="19050">
+            <a:solidFill>
+              <a:schemeClr val="tx1"/>
+            </a:solidFill>
+            <a:tailEnd type="stealth" w="med" len="lg"/>
+          </a:ln>
+        </p:spPr>
+        <p:style>
+          <a:lnRef idx="1">
+            <a:schemeClr val="accent1"/>
+          </a:lnRef>
+          <a:fillRef idx="0">
+            <a:schemeClr val="accent1"/>
+          </a:fillRef>
+          <a:effectRef idx="0">
+            <a:schemeClr val="accent1"/>
+          </a:effectRef>
+          <a:fontRef idx="minor">
+            <a:schemeClr val="tx1"/>
+          </a:fontRef>
+        </p:style>
+      </p:cxnSp>
+      <p:cxnSp>
+        <p:nvCxnSpPr>
+          <p:cNvPr id="22" name="Connecteur droit avec flèche 21">
+            <a:extLst>
+              <a:ext uri="{FF2B5EF4-FFF2-40B4-BE49-F238E27FC236}">
+                <a16:creationId xmlns:a16="http://schemas.microsoft.com/office/drawing/2014/main" id="{E1D182C5-1F79-8AE5-EF07-8C243EDD3128}"/>
+              </a:ext>
+            </a:extLst>
+          </p:cNvPr>
+          <p:cNvCxnSpPr>
+            <a:cxnSpLocks/>
+          </p:cNvCxnSpPr>
+          <p:nvPr/>
+        </p:nvCxnSpPr>
+        <p:spPr>
+          <a:xfrm flipV="1">
+            <a:off x="4572000" y="3717032"/>
+            <a:ext cx="0" cy="1152128"/>
+          </a:xfrm>
+          <a:prstGeom prst="straightConnector1">
+            <a:avLst/>
+          </a:prstGeom>
+          <a:ln w="19050">
+            <a:solidFill>
+              <a:schemeClr val="tx1"/>
+            </a:solidFill>
+            <a:tailEnd type="stealth" w="med" len="lg"/>
+          </a:ln>
+        </p:spPr>
+        <p:style>
+          <a:lnRef idx="1">
+            <a:schemeClr val="accent1"/>
+          </a:lnRef>
+          <a:fillRef idx="0">
+            <a:schemeClr val="accent1"/>
+          </a:fillRef>
+          <a:effectRef idx="0">
+            <a:schemeClr val="accent1"/>
+          </a:effectRef>
+          <a:fontRef idx="minor">
+            <a:schemeClr val="tx1"/>
+          </a:fontRef>
+        </p:style>
+      </p:cxnSp>
+      <mc:AlternateContent xmlns:mc="http://schemas.openxmlformats.org/markup-compatibility/2006">
+        <mc:Choice xmlns:a14="http://schemas.microsoft.com/office/drawing/2010/main" Requires="a14">
+          <p:sp>
+            <p:nvSpPr>
+              <p:cNvPr id="24" name="ZoneTexte 23">
+                <a:extLst>
+                  <a:ext uri="{FF2B5EF4-FFF2-40B4-BE49-F238E27FC236}">
+                    <a16:creationId xmlns:a16="http://schemas.microsoft.com/office/drawing/2014/main" id="{7F3E926A-DC38-B411-601B-1A62169BE7E1}"/>
+                  </a:ext>
+                </a:extLst>
+              </p:cNvPr>
+              <p:cNvSpPr txBox="1"/>
+              <p:nvPr/>
+            </p:nvSpPr>
+            <p:spPr>
+              <a:xfrm>
+                <a:off x="3923928" y="3578532"/>
+                <a:ext cx="474041" cy="276999"/>
+              </a:xfrm>
+              <a:prstGeom prst="rect">
+                <a:avLst/>
+              </a:prstGeom>
+              <a:noFill/>
+            </p:spPr>
+            <p:txBody>
+              <a:bodyPr wrap="none" lIns="0" tIns="0" rIns="0" bIns="0" rtlCol="0">
+                <a:spAutoFit/>
+              </a:bodyPr>
+              <a:lstStyle/>
+              <a:p>
+                <a14:m>
+                  <m:oMathPara xmlns:m="http://schemas.openxmlformats.org/officeDocument/2006/math">
+                    <m:oMathParaPr>
+                      <m:jc m:val="centerGroup"/>
+                    </m:oMathParaPr>
+                    <m:oMath xmlns:m="http://schemas.openxmlformats.org/officeDocument/2006/math">
+                      <m:r>
+                        <a:rPr lang="fr-FR" b="0" i="1" smtClean="0">
+                          <a:latin typeface="Cambria Math" panose="02040503050406030204" pitchFamily="18" charset="0"/>
+                        </a:rPr>
+                        <m:t>𝑣</m:t>
+                      </m:r>
+                      <m:r>
+                        <a:rPr lang="fr-FR" b="0" i="1" smtClean="0">
+                          <a:latin typeface="Cambria Math" panose="02040503050406030204" pitchFamily="18" charset="0"/>
+                        </a:rPr>
+                        <m:t>(</m:t>
+                      </m:r>
+                      <m:r>
+                        <a:rPr lang="fr-FR" b="0" i="1" smtClean="0">
+                          <a:latin typeface="Cambria Math" panose="02040503050406030204" pitchFamily="18" charset="0"/>
+                        </a:rPr>
+                        <m:t>𝑡</m:t>
+                      </m:r>
+                      <m:r>
+                        <a:rPr lang="fr-FR" b="0" i="1" smtClean="0">
+                          <a:latin typeface="Cambria Math" panose="02040503050406030204" pitchFamily="18" charset="0"/>
+                        </a:rPr>
+                        <m:t>)</m:t>
+                      </m:r>
+                    </m:oMath>
+                  </m:oMathPara>
+                </a14:m>
+                <a:endParaRPr lang="fr-FR" dirty="0"/>
+              </a:p>
+            </p:txBody>
+          </p:sp>
+        </mc:Choice>
+        <mc:Fallback>
+          <p:sp>
+            <p:nvSpPr>
+              <p:cNvPr id="24" name="ZoneTexte 23">
+                <a:extLst>
+                  <a:ext uri="{FF2B5EF4-FFF2-40B4-BE49-F238E27FC236}">
+                    <a16:creationId xmlns:a16="http://schemas.microsoft.com/office/drawing/2014/main" id="{7F3E926A-DC38-B411-601B-1A62169BE7E1}"/>
+                  </a:ext>
+                </a:extLst>
+              </p:cNvPr>
+              <p:cNvSpPr txBox="1">
+                <a:spLocks noRot="1" noChangeAspect="1" noMove="1" noResize="1" noEditPoints="1" noAdjustHandles="1" noChangeArrowheads="1" noChangeShapeType="1" noTextEdit="1"/>
+              </p:cNvSpPr>
+              <p:nvPr/>
+            </p:nvSpPr>
+            <p:spPr>
+              <a:xfrm>
+                <a:off x="3923928" y="3578532"/>
+                <a:ext cx="474041" cy="276999"/>
+              </a:xfrm>
+              <a:prstGeom prst="rect">
+                <a:avLst/>
+              </a:prstGeom>
+              <a:blipFill>
+                <a:blip r:embed="rId2"/>
+                <a:stretch>
+                  <a:fillRect l="-6494" t="-2222" r="-18182" b="-35556"/>
+                </a:stretch>
+              </a:blipFill>
+            </p:spPr>
+            <p:txBody>
+              <a:bodyPr/>
+              <a:lstStyle/>
+              <a:p>
+                <a:r>
+                  <a:rPr lang="fr-FR">
+                    <a:noFill/>
+                  </a:rPr>
+                  <a:t> </a:t>
+                </a:r>
+              </a:p>
+            </p:txBody>
+          </p:sp>
+        </mc:Fallback>
+      </mc:AlternateContent>
+      <mc:AlternateContent xmlns:mc="http://schemas.openxmlformats.org/markup-compatibility/2006">
+        <mc:Choice xmlns:a14="http://schemas.microsoft.com/office/drawing/2010/main" Requires="a14">
+          <p:sp>
+            <p:nvSpPr>
+              <p:cNvPr id="25" name="ZoneTexte 24">
+                <a:extLst>
+                  <a:ext uri="{FF2B5EF4-FFF2-40B4-BE49-F238E27FC236}">
+                    <a16:creationId xmlns:a16="http://schemas.microsoft.com/office/drawing/2014/main" id="{13AB11AF-11E5-5A76-352F-0E48908B3682}"/>
+                  </a:ext>
+                </a:extLst>
+              </p:cNvPr>
+              <p:cNvSpPr txBox="1"/>
+              <p:nvPr/>
+            </p:nvSpPr>
+            <p:spPr>
+              <a:xfrm>
+                <a:off x="6804248" y="4706595"/>
+                <a:ext cx="149913" cy="276999"/>
+              </a:xfrm>
+              <a:prstGeom prst="rect">
+                <a:avLst/>
+              </a:prstGeom>
+              <a:noFill/>
+            </p:spPr>
+            <p:txBody>
+              <a:bodyPr wrap="none" lIns="0" tIns="0" rIns="0" bIns="0" rtlCol="0">
+                <a:spAutoFit/>
+              </a:bodyPr>
+              <a:lstStyle/>
+              <a:p>
+                <a14:m>
+                  <m:oMathPara xmlns:m="http://schemas.openxmlformats.org/officeDocument/2006/math">
+                    <m:oMathParaPr>
+                      <m:jc m:val="centerGroup"/>
+                    </m:oMathParaPr>
+                    <m:oMath xmlns:m="http://schemas.openxmlformats.org/officeDocument/2006/math">
+                      <m:r>
+                        <a:rPr lang="fr-FR" b="0" i="1" smtClean="0">
+                          <a:latin typeface="Cambria Math" panose="02040503050406030204" pitchFamily="18" charset="0"/>
+                        </a:rPr>
+                        <m:t>𝑡</m:t>
+                      </m:r>
+                    </m:oMath>
+                  </m:oMathPara>
+                </a14:m>
+                <a:endParaRPr lang="fr-FR" dirty="0"/>
+              </a:p>
+            </p:txBody>
+          </p:sp>
+        </mc:Choice>
+        <mc:Fallback>
+          <p:sp>
+            <p:nvSpPr>
+              <p:cNvPr id="25" name="ZoneTexte 24">
+                <a:extLst>
+                  <a:ext uri="{FF2B5EF4-FFF2-40B4-BE49-F238E27FC236}">
+                    <a16:creationId xmlns:a16="http://schemas.microsoft.com/office/drawing/2014/main" id="{13AB11AF-11E5-5A76-352F-0E48908B3682}"/>
+                  </a:ext>
+                </a:extLst>
+              </p:cNvPr>
+              <p:cNvSpPr txBox="1">
+                <a:spLocks noRot="1" noChangeAspect="1" noMove="1" noResize="1" noEditPoints="1" noAdjustHandles="1" noChangeArrowheads="1" noChangeShapeType="1" noTextEdit="1"/>
+              </p:cNvSpPr>
+              <p:nvPr/>
+            </p:nvSpPr>
+            <p:spPr>
+              <a:xfrm>
+                <a:off x="6804248" y="4706595"/>
+                <a:ext cx="149913" cy="276999"/>
+              </a:xfrm>
+              <a:prstGeom prst="rect">
+                <a:avLst/>
+              </a:prstGeom>
+              <a:blipFill>
+                <a:blip r:embed="rId3"/>
+                <a:stretch>
+                  <a:fillRect l="-32000" r="-28000" b="-4348"/>
+                </a:stretch>
+              </a:blipFill>
+            </p:spPr>
+            <p:txBody>
+              <a:bodyPr/>
+              <a:lstStyle/>
+              <a:p>
+                <a:r>
+                  <a:rPr lang="fr-FR">
+                    <a:noFill/>
+                  </a:rPr>
+                  <a:t> </a:t>
+                </a:r>
+              </a:p>
+            </p:txBody>
+          </p:sp>
+        </mc:Fallback>
+      </mc:AlternateContent>
+      <p:cxnSp>
+        <p:nvCxnSpPr>
+          <p:cNvPr id="28" name="Connecteur droit 27">
+            <a:extLst>
+              <a:ext uri="{FF2B5EF4-FFF2-40B4-BE49-F238E27FC236}">
+                <a16:creationId xmlns:a16="http://schemas.microsoft.com/office/drawing/2014/main" id="{E1C65A59-E599-84BC-96EC-DB46452FF0B3}"/>
+              </a:ext>
+            </a:extLst>
+          </p:cNvPr>
+          <p:cNvCxnSpPr>
+            <a:cxnSpLocks/>
+          </p:cNvCxnSpPr>
+          <p:nvPr/>
+        </p:nvCxnSpPr>
+        <p:spPr>
+          <a:xfrm flipV="1">
+            <a:off x="4571999" y="4149080"/>
+            <a:ext cx="432049" cy="720079"/>
+          </a:xfrm>
+          <a:prstGeom prst="line">
+            <a:avLst/>
+          </a:prstGeom>
+          <a:ln w="28575">
+            <a:solidFill>
+              <a:schemeClr val="accent6">
+                <a:lumMod val="50000"/>
+              </a:schemeClr>
+            </a:solidFill>
+          </a:ln>
+        </p:spPr>
+        <p:style>
+          <a:lnRef idx="1">
+            <a:schemeClr val="accent1"/>
+          </a:lnRef>
+          <a:fillRef idx="0">
+            <a:schemeClr val="accent1"/>
+          </a:fillRef>
+          <a:effectRef idx="0">
+            <a:schemeClr val="accent1"/>
+          </a:effectRef>
+          <a:fontRef idx="minor">
+            <a:schemeClr val="tx1"/>
+          </a:fontRef>
+        </p:style>
+      </p:cxnSp>
+      <p:cxnSp>
+        <p:nvCxnSpPr>
+          <p:cNvPr id="30" name="Connecteur droit 29">
+            <a:extLst>
+              <a:ext uri="{FF2B5EF4-FFF2-40B4-BE49-F238E27FC236}">
+                <a16:creationId xmlns:a16="http://schemas.microsoft.com/office/drawing/2014/main" id="{A61501EC-0525-84B5-9DBA-E1ED381C2A7C}"/>
+              </a:ext>
+            </a:extLst>
+          </p:cNvPr>
+          <p:cNvCxnSpPr>
+            <a:cxnSpLocks/>
+          </p:cNvCxnSpPr>
+          <p:nvPr/>
+        </p:nvCxnSpPr>
+        <p:spPr>
+          <a:xfrm>
+            <a:off x="6012155" y="4149079"/>
+            <a:ext cx="432049" cy="720080"/>
+          </a:xfrm>
+          <a:prstGeom prst="line">
+            <a:avLst/>
+          </a:prstGeom>
+          <a:ln w="28575">
+            <a:solidFill>
+              <a:schemeClr val="accent6">
+                <a:lumMod val="50000"/>
+              </a:schemeClr>
+            </a:solidFill>
+          </a:ln>
+        </p:spPr>
+        <p:style>
+          <a:lnRef idx="1">
+            <a:schemeClr val="accent1"/>
+          </a:lnRef>
+          <a:fillRef idx="0">
+            <a:schemeClr val="accent1"/>
+          </a:fillRef>
+          <a:effectRef idx="0">
+            <a:schemeClr val="accent1"/>
+          </a:effectRef>
+          <a:fontRef idx="minor">
+            <a:schemeClr val="tx1"/>
+          </a:fontRef>
+        </p:style>
+      </p:cxnSp>
+      <p:cxnSp>
+        <p:nvCxnSpPr>
+          <p:cNvPr id="33" name="Connecteur droit 32">
+            <a:extLst>
+              <a:ext uri="{FF2B5EF4-FFF2-40B4-BE49-F238E27FC236}">
+                <a16:creationId xmlns:a16="http://schemas.microsoft.com/office/drawing/2014/main" id="{B95761EB-B82B-9169-E873-1015442D93FD}"/>
+              </a:ext>
+            </a:extLst>
+          </p:cNvPr>
+          <p:cNvCxnSpPr>
+            <a:cxnSpLocks/>
+          </p:cNvCxnSpPr>
+          <p:nvPr/>
+        </p:nvCxnSpPr>
+        <p:spPr>
+          <a:xfrm>
+            <a:off x="5004048" y="4149078"/>
+            <a:ext cx="1008107" cy="0"/>
+          </a:xfrm>
+          <a:prstGeom prst="line">
+            <a:avLst/>
+          </a:prstGeom>
+          <a:ln w="28575">
+            <a:solidFill>
+              <a:schemeClr val="accent6">
+                <a:lumMod val="50000"/>
+              </a:schemeClr>
+            </a:solidFill>
+          </a:ln>
+        </p:spPr>
+        <p:style>
+          <a:lnRef idx="1">
+            <a:schemeClr val="accent1"/>
+          </a:lnRef>
+          <a:fillRef idx="0">
+            <a:schemeClr val="accent1"/>
+          </a:fillRef>
+          <a:effectRef idx="0">
+            <a:schemeClr val="accent1"/>
+          </a:effectRef>
+          <a:fontRef idx="minor">
+            <a:schemeClr val="tx1"/>
+          </a:fontRef>
+        </p:style>
+      </p:cxnSp>
+      <p:cxnSp>
+        <p:nvCxnSpPr>
+          <p:cNvPr id="36" name="Connecteur droit 35">
+            <a:extLst>
+              <a:ext uri="{FF2B5EF4-FFF2-40B4-BE49-F238E27FC236}">
+                <a16:creationId xmlns:a16="http://schemas.microsoft.com/office/drawing/2014/main" id="{03A338F2-720E-D6A4-9064-8F8113979D76}"/>
+              </a:ext>
+            </a:extLst>
+          </p:cNvPr>
+          <p:cNvCxnSpPr>
+            <a:cxnSpLocks/>
+          </p:cNvCxnSpPr>
+          <p:nvPr/>
+        </p:nvCxnSpPr>
+        <p:spPr>
+          <a:xfrm>
+            <a:off x="5004047" y="4149078"/>
+            <a:ext cx="0" cy="696016"/>
+          </a:xfrm>
+          <a:prstGeom prst="line">
+            <a:avLst/>
+          </a:prstGeom>
+          <a:ln w="12700">
+            <a:solidFill>
+              <a:schemeClr val="accent6">
+                <a:lumMod val="50000"/>
+              </a:schemeClr>
+            </a:solidFill>
+            <a:prstDash val="sysDash"/>
+          </a:ln>
+        </p:spPr>
+        <p:style>
+          <a:lnRef idx="1">
+            <a:schemeClr val="accent1"/>
+          </a:lnRef>
+          <a:fillRef idx="0">
+            <a:schemeClr val="accent1"/>
+          </a:fillRef>
+          <a:effectRef idx="0">
+            <a:schemeClr val="accent1"/>
+          </a:effectRef>
+          <a:fontRef idx="minor">
+            <a:schemeClr val="tx1"/>
+          </a:fontRef>
+        </p:style>
+      </p:cxnSp>
+      <p:cxnSp>
+        <p:nvCxnSpPr>
+          <p:cNvPr id="39" name="Connecteur droit 38">
+            <a:extLst>
+              <a:ext uri="{FF2B5EF4-FFF2-40B4-BE49-F238E27FC236}">
+                <a16:creationId xmlns:a16="http://schemas.microsoft.com/office/drawing/2014/main" id="{DA7400BB-7246-AEFE-7E8A-98A0AFBBAEFA}"/>
+              </a:ext>
+            </a:extLst>
+          </p:cNvPr>
+          <p:cNvCxnSpPr>
+            <a:cxnSpLocks/>
+          </p:cNvCxnSpPr>
+          <p:nvPr/>
+        </p:nvCxnSpPr>
+        <p:spPr>
+          <a:xfrm>
+            <a:off x="6012155" y="4173143"/>
+            <a:ext cx="0" cy="696016"/>
+          </a:xfrm>
+          <a:prstGeom prst="line">
+            <a:avLst/>
+          </a:prstGeom>
+          <a:ln w="12700">
+            <a:solidFill>
+              <a:schemeClr val="accent6">
+                <a:lumMod val="50000"/>
+              </a:schemeClr>
+            </a:solidFill>
+            <a:prstDash val="sysDash"/>
+          </a:ln>
+        </p:spPr>
+        <p:style>
+          <a:lnRef idx="1">
+            <a:schemeClr val="accent1"/>
+          </a:lnRef>
+          <a:fillRef idx="0">
+            <a:schemeClr val="accent1"/>
+          </a:fillRef>
+          <a:effectRef idx="0">
+            <a:schemeClr val="accent1"/>
+          </a:effectRef>
+          <a:fontRef idx="minor">
+            <a:schemeClr val="tx1"/>
+          </a:fontRef>
+        </p:style>
+      </p:cxnSp>
+      <mc:AlternateContent xmlns:mc="http://schemas.openxmlformats.org/markup-compatibility/2006">
+        <mc:Choice xmlns:a14="http://schemas.microsoft.com/office/drawing/2010/main" Requires="a14">
+          <p:sp>
+            <p:nvSpPr>
+              <p:cNvPr id="40" name="ZoneTexte 39">
+                <a:extLst>
+                  <a:ext uri="{FF2B5EF4-FFF2-40B4-BE49-F238E27FC236}">
+                    <a16:creationId xmlns:a16="http://schemas.microsoft.com/office/drawing/2014/main" id="{CDC89C2C-139A-2053-FE1F-E537BA489638}"/>
+                  </a:ext>
+                </a:extLst>
+              </p:cNvPr>
+              <p:cNvSpPr txBox="1"/>
+              <p:nvPr/>
+            </p:nvSpPr>
+            <p:spPr>
+              <a:xfrm>
+                <a:off x="4929090" y="4893225"/>
+                <a:ext cx="242887" cy="276999"/>
+              </a:xfrm>
+              <a:prstGeom prst="rect">
+                <a:avLst/>
+              </a:prstGeom>
+              <a:noFill/>
+            </p:spPr>
+            <p:txBody>
+              <a:bodyPr wrap="none" lIns="0" tIns="0" rIns="0" bIns="0" rtlCol="0">
+                <a:spAutoFit/>
+              </a:bodyPr>
+              <a:lstStyle/>
+              <a:p>
+                <a14:m>
+                  <m:oMathPara xmlns:m="http://schemas.openxmlformats.org/officeDocument/2006/math">
+                    <m:oMathParaPr>
+                      <m:jc m:val="centerGroup"/>
+                    </m:oMathParaPr>
+                    <m:oMath xmlns:m="http://schemas.openxmlformats.org/officeDocument/2006/math">
+                      <m:sSub>
+                        <m:sSubPr>
+                          <m:ctrlPr>
+                            <a:rPr lang="fr-FR" b="0" i="1" smtClean="0">
+                              <a:latin typeface="Cambria Math" panose="02040503050406030204" pitchFamily="18" charset="0"/>
+                            </a:rPr>
+                          </m:ctrlPr>
+                        </m:sSubPr>
+                        <m:e>
+                          <m:r>
+                            <a:rPr lang="fr-FR" b="0" i="1" smtClean="0">
+                              <a:latin typeface="Cambria Math" panose="02040503050406030204" pitchFamily="18" charset="0"/>
+                            </a:rPr>
+                            <m:t>𝑡</m:t>
+                          </m:r>
+                        </m:e>
+                        <m:sub>
+                          <m:r>
+                            <a:rPr lang="fr-FR" b="0" i="1" smtClean="0">
+                              <a:latin typeface="Cambria Math" panose="02040503050406030204" pitchFamily="18" charset="0"/>
+                            </a:rPr>
+                            <m:t>1</m:t>
+                          </m:r>
+                        </m:sub>
+                      </m:sSub>
+                    </m:oMath>
+                  </m:oMathPara>
+                </a14:m>
+                <a:endParaRPr lang="fr-FR" dirty="0"/>
+              </a:p>
+            </p:txBody>
+          </p:sp>
+        </mc:Choice>
+        <mc:Fallback>
+          <p:sp>
+            <p:nvSpPr>
+              <p:cNvPr id="40" name="ZoneTexte 39">
+                <a:extLst>
+                  <a:ext uri="{FF2B5EF4-FFF2-40B4-BE49-F238E27FC236}">
+                    <a16:creationId xmlns:a16="http://schemas.microsoft.com/office/drawing/2014/main" id="{CDC89C2C-139A-2053-FE1F-E537BA489638}"/>
+                  </a:ext>
+                </a:extLst>
+              </p:cNvPr>
+              <p:cNvSpPr txBox="1">
+                <a:spLocks noRot="1" noChangeAspect="1" noMove="1" noResize="1" noEditPoints="1" noAdjustHandles="1" noChangeArrowheads="1" noChangeShapeType="1" noTextEdit="1"/>
+              </p:cNvSpPr>
+              <p:nvPr/>
+            </p:nvSpPr>
+            <p:spPr>
+              <a:xfrm>
+                <a:off x="4929090" y="4893225"/>
+                <a:ext cx="242887" cy="276999"/>
+              </a:xfrm>
+              <a:prstGeom prst="rect">
+                <a:avLst/>
+              </a:prstGeom>
+              <a:blipFill>
+                <a:blip r:embed="rId4"/>
+                <a:stretch>
+                  <a:fillRect l="-23077" r="-7692" b="-15556"/>
+                </a:stretch>
+              </a:blipFill>
+            </p:spPr>
+            <p:txBody>
+              <a:bodyPr/>
+              <a:lstStyle/>
+              <a:p>
+                <a:r>
+                  <a:rPr lang="fr-FR">
+                    <a:noFill/>
+                  </a:rPr>
+                  <a:t> </a:t>
+                </a:r>
+              </a:p>
+            </p:txBody>
+          </p:sp>
+        </mc:Fallback>
+      </mc:AlternateContent>
+      <mc:AlternateContent xmlns:mc="http://schemas.openxmlformats.org/markup-compatibility/2006">
+        <mc:Choice xmlns:a14="http://schemas.microsoft.com/office/drawing/2010/main" Requires="a14">
+          <p:sp>
+            <p:nvSpPr>
+              <p:cNvPr id="41" name="ZoneTexte 40">
+                <a:extLst>
+                  <a:ext uri="{FF2B5EF4-FFF2-40B4-BE49-F238E27FC236}">
+                    <a16:creationId xmlns:a16="http://schemas.microsoft.com/office/drawing/2014/main" id="{77DC01A8-5521-2A6F-82C5-2650F6D2A34C}"/>
+                  </a:ext>
+                </a:extLst>
+              </p:cNvPr>
+              <p:cNvSpPr txBox="1"/>
+              <p:nvPr/>
+            </p:nvSpPr>
+            <p:spPr>
+              <a:xfrm>
+                <a:off x="5890711" y="4893225"/>
+                <a:ext cx="248209" cy="276999"/>
+              </a:xfrm>
+              <a:prstGeom prst="rect">
+                <a:avLst/>
+              </a:prstGeom>
+              <a:noFill/>
+            </p:spPr>
+            <p:txBody>
+              <a:bodyPr wrap="none" lIns="0" tIns="0" rIns="0" bIns="0" rtlCol="0">
+                <a:spAutoFit/>
+              </a:bodyPr>
+              <a:lstStyle/>
+              <a:p>
+                <a14:m>
+                  <m:oMathPara xmlns:m="http://schemas.openxmlformats.org/officeDocument/2006/math">
+                    <m:oMathParaPr>
+                      <m:jc m:val="centerGroup"/>
+                    </m:oMathParaPr>
+                    <m:oMath xmlns:m="http://schemas.openxmlformats.org/officeDocument/2006/math">
+                      <m:sSub>
+                        <m:sSubPr>
+                          <m:ctrlPr>
+                            <a:rPr lang="fr-FR" b="0" i="1" smtClean="0">
+                              <a:latin typeface="Cambria Math" panose="02040503050406030204" pitchFamily="18" charset="0"/>
+                            </a:rPr>
+                          </m:ctrlPr>
+                        </m:sSubPr>
+                        <m:e>
+                          <m:r>
+                            <a:rPr lang="fr-FR" b="0" i="1" smtClean="0">
+                              <a:latin typeface="Cambria Math" panose="02040503050406030204" pitchFamily="18" charset="0"/>
+                            </a:rPr>
+                            <m:t>𝑡</m:t>
+                          </m:r>
+                        </m:e>
+                        <m:sub>
+                          <m:r>
+                            <a:rPr lang="fr-FR" b="0" i="1" smtClean="0">
+                              <a:latin typeface="Cambria Math" panose="02040503050406030204" pitchFamily="18" charset="0"/>
+                            </a:rPr>
+                            <m:t>2</m:t>
+                          </m:r>
+                        </m:sub>
+                      </m:sSub>
+                    </m:oMath>
+                  </m:oMathPara>
+                </a14:m>
+                <a:endParaRPr lang="fr-FR" dirty="0"/>
+              </a:p>
+            </p:txBody>
+          </p:sp>
+        </mc:Choice>
+        <mc:Fallback>
+          <p:sp>
+            <p:nvSpPr>
+              <p:cNvPr id="41" name="ZoneTexte 40">
+                <a:extLst>
+                  <a:ext uri="{FF2B5EF4-FFF2-40B4-BE49-F238E27FC236}">
+                    <a16:creationId xmlns:a16="http://schemas.microsoft.com/office/drawing/2014/main" id="{77DC01A8-5521-2A6F-82C5-2650F6D2A34C}"/>
+                  </a:ext>
+                </a:extLst>
+              </p:cNvPr>
+              <p:cNvSpPr txBox="1">
+                <a:spLocks noRot="1" noChangeAspect="1" noMove="1" noResize="1" noEditPoints="1" noAdjustHandles="1" noChangeArrowheads="1" noChangeShapeType="1" noTextEdit="1"/>
+              </p:cNvSpPr>
+              <p:nvPr/>
+            </p:nvSpPr>
+            <p:spPr>
+              <a:xfrm>
+                <a:off x="5890711" y="4893225"/>
+                <a:ext cx="248209" cy="276999"/>
+              </a:xfrm>
+              <a:prstGeom prst="rect">
+                <a:avLst/>
+              </a:prstGeom>
+              <a:blipFill>
+                <a:blip r:embed="rId5"/>
+                <a:stretch>
+                  <a:fillRect l="-19512" r="-7317" b="-15556"/>
+                </a:stretch>
+              </a:blipFill>
+            </p:spPr>
+            <p:txBody>
+              <a:bodyPr/>
+              <a:lstStyle/>
+              <a:p>
+                <a:r>
+                  <a:rPr lang="fr-FR">
+                    <a:noFill/>
+                  </a:rPr>
+                  <a:t> </a:t>
+                </a:r>
+              </a:p>
+            </p:txBody>
+          </p:sp>
+        </mc:Fallback>
+      </mc:AlternateContent>
+      <mc:AlternateContent xmlns:mc="http://schemas.openxmlformats.org/markup-compatibility/2006">
+        <mc:Choice xmlns:a14="http://schemas.microsoft.com/office/drawing/2010/main" Requires="a14">
+          <p:sp>
+            <p:nvSpPr>
+              <p:cNvPr id="42" name="ZoneTexte 41">
+                <a:extLst>
+                  <a:ext uri="{FF2B5EF4-FFF2-40B4-BE49-F238E27FC236}">
+                    <a16:creationId xmlns:a16="http://schemas.microsoft.com/office/drawing/2014/main" id="{C2B42774-49D1-1D35-9524-7A56B5CEB201}"/>
+                  </a:ext>
+                </a:extLst>
+              </p:cNvPr>
+              <p:cNvSpPr txBox="1"/>
+              <p:nvPr/>
+            </p:nvSpPr>
+            <p:spPr>
+              <a:xfrm>
+                <a:off x="3945191" y="3974549"/>
+                <a:ext cx="612604" cy="276999"/>
+              </a:xfrm>
+              <a:prstGeom prst="rect">
+                <a:avLst/>
+              </a:prstGeom>
+              <a:noFill/>
+            </p:spPr>
+            <p:txBody>
+              <a:bodyPr wrap="none" lIns="0" tIns="0" rIns="0" bIns="0" rtlCol="0">
+                <a:spAutoFit/>
+              </a:bodyPr>
+              <a:lstStyle/>
+              <a:p>
+                <a14:m>
+                  <m:oMathPara xmlns:m="http://schemas.openxmlformats.org/officeDocument/2006/math">
+                    <m:oMathParaPr>
+                      <m:jc m:val="centerGroup"/>
+                    </m:oMathParaPr>
+                    <m:oMath xmlns:m="http://schemas.openxmlformats.org/officeDocument/2006/math">
+                      <m:sSub>
+                        <m:sSubPr>
+                          <m:ctrlPr>
+                            <a:rPr lang="fr-FR" b="0" i="1" smtClean="0">
+                              <a:latin typeface="Cambria Math" panose="02040503050406030204" pitchFamily="18" charset="0"/>
+                            </a:rPr>
+                          </m:ctrlPr>
+                        </m:sSubPr>
+                        <m:e>
+                          <m:r>
+                            <a:rPr lang="fr-FR" b="0" i="1" smtClean="0">
+                              <a:latin typeface="Cambria Math" panose="02040503050406030204" pitchFamily="18" charset="0"/>
+                            </a:rPr>
+                            <m:t>𝑣</m:t>
+                          </m:r>
+                        </m:e>
+                        <m:sub>
+                          <m:r>
+                            <a:rPr lang="fr-FR" b="0" i="1" smtClean="0">
+                              <a:latin typeface="Cambria Math" panose="02040503050406030204" pitchFamily="18" charset="0"/>
+                            </a:rPr>
+                            <m:t>𝑚𝑎𝑥𝑖</m:t>
+                          </m:r>
+                        </m:sub>
+                      </m:sSub>
+                    </m:oMath>
+                  </m:oMathPara>
+                </a14:m>
+                <a:endParaRPr lang="fr-FR" dirty="0"/>
+              </a:p>
+            </p:txBody>
+          </p:sp>
+        </mc:Choice>
+        <mc:Fallback>
+          <p:sp>
+            <p:nvSpPr>
+              <p:cNvPr id="42" name="ZoneTexte 41">
+                <a:extLst>
+                  <a:ext uri="{FF2B5EF4-FFF2-40B4-BE49-F238E27FC236}">
+                    <a16:creationId xmlns:a16="http://schemas.microsoft.com/office/drawing/2014/main" id="{C2B42774-49D1-1D35-9524-7A56B5CEB201}"/>
+                  </a:ext>
+                </a:extLst>
+              </p:cNvPr>
+              <p:cNvSpPr txBox="1">
+                <a:spLocks noRot="1" noChangeAspect="1" noMove="1" noResize="1" noEditPoints="1" noAdjustHandles="1" noChangeArrowheads="1" noChangeShapeType="1" noTextEdit="1"/>
+              </p:cNvSpPr>
+              <p:nvPr/>
+            </p:nvSpPr>
+            <p:spPr>
+              <a:xfrm>
+                <a:off x="3945191" y="3974549"/>
+                <a:ext cx="612604" cy="276999"/>
+              </a:xfrm>
+              <a:prstGeom prst="rect">
+                <a:avLst/>
+              </a:prstGeom>
+              <a:blipFill>
+                <a:blip r:embed="rId6"/>
+                <a:stretch>
+                  <a:fillRect l="-4950" r="-3960" b="-17778"/>
+                </a:stretch>
+              </a:blipFill>
+            </p:spPr>
+            <p:txBody>
+              <a:bodyPr/>
+              <a:lstStyle/>
+              <a:p>
+                <a:r>
+                  <a:rPr lang="fr-FR">
+                    <a:noFill/>
+                  </a:rPr>
+                  <a:t> </a:t>
+                </a:r>
+              </a:p>
+            </p:txBody>
+          </p:sp>
+        </mc:Fallback>
+      </mc:AlternateContent>
+    </p:spTree>
+    <p:extLst>
+      <p:ext uri="{BB962C8B-B14F-4D97-AF65-F5344CB8AC3E}">
+        <p14:creationId xmlns:p14="http://schemas.microsoft.com/office/powerpoint/2010/main" val="1470623794"/>
+      </p:ext>
+    </p:extLst>
+  </p:cSld>
+  <p:clrMapOvr>
+    <a:masterClrMapping/>
+  </p:clrMapOvr>
 </p:sld>
 </file>
 
